--- a/prezentace.pptx
+++ b/prezentace.pptx
@@ -7,10 +7,20 @@
   <p:sldIdLst>
     <p:sldId id="256" r:id="rId2"/>
     <p:sldId id="261" r:id="rId3"/>
-    <p:sldId id="257" r:id="rId4"/>
-    <p:sldId id="258" r:id="rId5"/>
-    <p:sldId id="259" r:id="rId6"/>
-    <p:sldId id="260" r:id="rId7"/>
+    <p:sldId id="263" r:id="rId4"/>
+    <p:sldId id="264" r:id="rId5"/>
+    <p:sldId id="271" r:id="rId6"/>
+    <p:sldId id="257" r:id="rId7"/>
+    <p:sldId id="258" r:id="rId8"/>
+    <p:sldId id="259" r:id="rId9"/>
+    <p:sldId id="260" r:id="rId10"/>
+    <p:sldId id="272" r:id="rId11"/>
+    <p:sldId id="269" r:id="rId12"/>
+    <p:sldId id="270" r:id="rId13"/>
+    <p:sldId id="265" r:id="rId14"/>
+    <p:sldId id="266" r:id="rId15"/>
+    <p:sldId id="267" r:id="rId16"/>
+    <p:sldId id="268" r:id="rId17"/>
   </p:sldIdLst>
   <p:sldSz cx="12192000" cy="6858000"/>
   <p:notesSz cx="6858000" cy="9144000"/>
@@ -264,7 +274,7 @@
           <a:p>
             <a:fld id="{13F4EE30-B45D-4BE1-8A98-D44BF7FF5B53}" type="datetimeFigureOut">
               <a:rPr lang="cs-CZ" smtClean="0"/>
-              <a:t>14.05.2020</a:t>
+              <a:t>15.05.2020</a:t>
             </a:fld>
             <a:endParaRPr lang="cs-CZ"/>
           </a:p>
@@ -462,7 +472,7 @@
           <a:p>
             <a:fld id="{13F4EE30-B45D-4BE1-8A98-D44BF7FF5B53}" type="datetimeFigureOut">
               <a:rPr lang="cs-CZ" smtClean="0"/>
-              <a:t>14.05.2020</a:t>
+              <a:t>15.05.2020</a:t>
             </a:fld>
             <a:endParaRPr lang="cs-CZ"/>
           </a:p>
@@ -670,7 +680,7 @@
           <a:p>
             <a:fld id="{13F4EE30-B45D-4BE1-8A98-D44BF7FF5B53}" type="datetimeFigureOut">
               <a:rPr lang="cs-CZ" smtClean="0"/>
-              <a:t>14.05.2020</a:t>
+              <a:t>15.05.2020</a:t>
             </a:fld>
             <a:endParaRPr lang="cs-CZ"/>
           </a:p>
@@ -868,7 +878,7 @@
           <a:p>
             <a:fld id="{13F4EE30-B45D-4BE1-8A98-D44BF7FF5B53}" type="datetimeFigureOut">
               <a:rPr lang="cs-CZ" smtClean="0"/>
-              <a:t>14.05.2020</a:t>
+              <a:t>15.05.2020</a:t>
             </a:fld>
             <a:endParaRPr lang="cs-CZ"/>
           </a:p>
@@ -1143,7 +1153,7 @@
           <a:p>
             <a:fld id="{13F4EE30-B45D-4BE1-8A98-D44BF7FF5B53}" type="datetimeFigureOut">
               <a:rPr lang="cs-CZ" smtClean="0"/>
-              <a:t>14.05.2020</a:t>
+              <a:t>15.05.2020</a:t>
             </a:fld>
             <a:endParaRPr lang="cs-CZ"/>
           </a:p>
@@ -1408,7 +1418,7 @@
           <a:p>
             <a:fld id="{13F4EE30-B45D-4BE1-8A98-D44BF7FF5B53}" type="datetimeFigureOut">
               <a:rPr lang="cs-CZ" smtClean="0"/>
-              <a:t>14.05.2020</a:t>
+              <a:t>15.05.2020</a:t>
             </a:fld>
             <a:endParaRPr lang="cs-CZ"/>
           </a:p>
@@ -1820,7 +1830,7 @@
           <a:p>
             <a:fld id="{13F4EE30-B45D-4BE1-8A98-D44BF7FF5B53}" type="datetimeFigureOut">
               <a:rPr lang="cs-CZ" smtClean="0"/>
-              <a:t>14.05.2020</a:t>
+              <a:t>15.05.2020</a:t>
             </a:fld>
             <a:endParaRPr lang="cs-CZ"/>
           </a:p>
@@ -1961,7 +1971,7 @@
           <a:p>
             <a:fld id="{13F4EE30-B45D-4BE1-8A98-D44BF7FF5B53}" type="datetimeFigureOut">
               <a:rPr lang="cs-CZ" smtClean="0"/>
-              <a:t>14.05.2020</a:t>
+              <a:t>15.05.2020</a:t>
             </a:fld>
             <a:endParaRPr lang="cs-CZ"/>
           </a:p>
@@ -2074,7 +2084,7 @@
           <a:p>
             <a:fld id="{13F4EE30-B45D-4BE1-8A98-D44BF7FF5B53}" type="datetimeFigureOut">
               <a:rPr lang="cs-CZ" smtClean="0"/>
-              <a:t>14.05.2020</a:t>
+              <a:t>15.05.2020</a:t>
             </a:fld>
             <a:endParaRPr lang="cs-CZ"/>
           </a:p>
@@ -2385,7 +2395,7 @@
           <a:p>
             <a:fld id="{13F4EE30-B45D-4BE1-8A98-D44BF7FF5B53}" type="datetimeFigureOut">
               <a:rPr lang="cs-CZ" smtClean="0"/>
-              <a:t>14.05.2020</a:t>
+              <a:t>15.05.2020</a:t>
             </a:fld>
             <a:endParaRPr lang="cs-CZ"/>
           </a:p>
@@ -2673,7 +2683,7 @@
           <a:p>
             <a:fld id="{13F4EE30-B45D-4BE1-8A98-D44BF7FF5B53}" type="datetimeFigureOut">
               <a:rPr lang="cs-CZ" smtClean="0"/>
-              <a:t>14.05.2020</a:t>
+              <a:t>15.05.2020</a:t>
             </a:fld>
             <a:endParaRPr lang="cs-CZ"/>
           </a:p>
@@ -2914,7 +2924,7 @@
           <a:p>
             <a:fld id="{13F4EE30-B45D-4BE1-8A98-D44BF7FF5B53}" type="datetimeFigureOut">
               <a:rPr lang="cs-CZ" smtClean="0"/>
-              <a:t>14.05.2020</a:t>
+              <a:t>15.05.2020</a:t>
             </a:fld>
             <a:endParaRPr lang="cs-CZ"/>
           </a:p>
@@ -3438,6 +3448,44 @@
             </a:r>
             <a:r>
               <a:rPr lang="en-US" dirty="0" err="1"/>
+              <a:t>Implementace</a:t>
+            </a:r>
+            <a:r>
+              <a:rPr lang="en-US" dirty="0"/>
+              <a:t> </a:t>
+            </a:r>
+            <a:r>
+              <a:rPr lang="en-US" dirty="0" err="1"/>
+              <a:t>algoritmu</a:t>
+            </a:r>
+            <a:r>
+              <a:rPr lang="en-US" dirty="0"/>
+              <a:t> pro </a:t>
+            </a:r>
+            <a:r>
+              <a:rPr lang="en-US" dirty="0" err="1"/>
+              <a:t>doporu</a:t>
+            </a:r>
+            <a:r>
+              <a:rPr lang="cs-CZ" dirty="0" err="1"/>
+              <a:t>čovací</a:t>
+            </a:r>
+            <a:r>
+              <a:rPr lang="cs-CZ" dirty="0"/>
+              <a:t> systém</a:t>
+            </a:r>
+            <a:endParaRPr lang="en-US" dirty="0"/>
+          </a:p>
+          <a:p>
+            <a:pPr marL="0" indent="0">
+              <a:buNone/>
+            </a:pPr>
+            <a:r>
+              <a:rPr lang="en-US" dirty="0"/>
+              <a:t>2. </a:t>
+            </a:r>
+            <a:r>
+              <a:rPr lang="en-US" dirty="0" err="1"/>
               <a:t>BigData</a:t>
             </a:r>
             <a:r>
@@ -3451,30 +3499,13 @@
             </a:pPr>
             <a:r>
               <a:rPr lang="en-US" dirty="0"/>
-              <a:t>2. </a:t>
+              <a:t>3. </a:t>
             </a:r>
             <a:r>
               <a:rPr lang="en-US" dirty="0" err="1"/>
-              <a:t>Doporucovaci</a:t>
-            </a:r>
-            <a:r>
-              <a:rPr lang="en-US" dirty="0"/>
-              <a:t> </a:t>
-            </a:r>
-            <a:r>
-              <a:rPr lang="en-US" dirty="0" err="1"/>
-              <a:t>Systemy</a:t>
+              <a:t>Projekt</a:t>
             </a:r>
             <a:endParaRPr lang="en-US" dirty="0"/>
-          </a:p>
-          <a:p>
-            <a:pPr marL="0" indent="0">
-              <a:buNone/>
-            </a:pPr>
-            <a:r>
-              <a:rPr lang="en-US" dirty="0"/>
-              <a:t>3. Alternating Least Squares (ALS)</a:t>
-            </a:r>
           </a:p>
           <a:p>
             <a:pPr marL="0" indent="0">
@@ -3488,6 +3519,925 @@
     <p:extLst>
       <p:ext uri="{BB962C8B-B14F-4D97-AF65-F5344CB8AC3E}">
         <p14:creationId xmlns:p14="http://schemas.microsoft.com/office/powerpoint/2010/main" val="112239197"/>
+      </p:ext>
+    </p:extLst>
+  </p:cSld>
+  <p:clrMapOvr>
+    <a:masterClrMapping/>
+  </p:clrMapOvr>
+</p:sld>
+</file>
+
+<file path=ppt/slides/slide10.xml><?xml version="1.0" encoding="utf-8"?>
+<p:sld xmlns:a="http://schemas.openxmlformats.org/drawingml/2006/main" xmlns:r="http://schemas.openxmlformats.org/officeDocument/2006/relationships" xmlns:p="http://schemas.openxmlformats.org/presentationml/2006/main">
+  <p:cSld>
+    <p:spTree>
+      <p:nvGrpSpPr>
+        <p:cNvPr id="1" name=""/>
+        <p:cNvGrpSpPr/>
+        <p:nvPr/>
+      </p:nvGrpSpPr>
+      <p:grpSpPr>
+        <a:xfrm>
+          <a:off x="0" y="0"/>
+          <a:ext cx="0" cy="0"/>
+          <a:chOff x="0" y="0"/>
+          <a:chExt cx="0" cy="0"/>
+        </a:xfrm>
+      </p:grpSpPr>
+      <p:sp>
+        <p:nvSpPr>
+          <p:cNvPr id="2" name="Nadpis 1">
+            <a:extLst>
+              <a:ext uri="{FF2B5EF4-FFF2-40B4-BE49-F238E27FC236}">
+                <a16:creationId xmlns:a16="http://schemas.microsoft.com/office/drawing/2014/main" id="{60924D27-0F8F-4F4B-A65C-21D35D24F879}"/>
+              </a:ext>
+            </a:extLst>
+          </p:cNvPr>
+          <p:cNvSpPr>
+            <a:spLocks noGrp="1"/>
+          </p:cNvSpPr>
+          <p:nvPr>
+            <p:ph type="title"/>
+          </p:nvPr>
+        </p:nvSpPr>
+        <p:spPr/>
+        <p:txBody>
+          <a:bodyPr/>
+          <a:lstStyle/>
+          <a:p>
+            <a:endParaRPr lang="cs-CZ"/>
+          </a:p>
+        </p:txBody>
+      </p:sp>
+      <p:sp>
+        <p:nvSpPr>
+          <p:cNvPr id="3" name="Zástupný obsah 2">
+            <a:extLst>
+              <a:ext uri="{FF2B5EF4-FFF2-40B4-BE49-F238E27FC236}">
+                <a16:creationId xmlns:a16="http://schemas.microsoft.com/office/drawing/2014/main" id="{515C2DDA-998C-49FC-8918-6E5E8D140DB9}"/>
+              </a:ext>
+            </a:extLst>
+          </p:cNvPr>
+          <p:cNvSpPr>
+            <a:spLocks noGrp="1"/>
+          </p:cNvSpPr>
+          <p:nvPr>
+            <p:ph sz="half" idx="1"/>
+          </p:nvPr>
+        </p:nvSpPr>
+        <p:spPr/>
+        <p:txBody>
+          <a:bodyPr/>
+          <a:lstStyle/>
+          <a:p>
+            <a:endParaRPr lang="cs-CZ"/>
+          </a:p>
+        </p:txBody>
+      </p:sp>
+      <p:sp>
+        <p:nvSpPr>
+          <p:cNvPr id="4" name="Zástupný obsah 3">
+            <a:extLst>
+              <a:ext uri="{FF2B5EF4-FFF2-40B4-BE49-F238E27FC236}">
+                <a16:creationId xmlns:a16="http://schemas.microsoft.com/office/drawing/2014/main" id="{4196DEDB-DC47-4ADB-86F9-3005582E3211}"/>
+              </a:ext>
+            </a:extLst>
+          </p:cNvPr>
+          <p:cNvSpPr>
+            <a:spLocks noGrp="1"/>
+          </p:cNvSpPr>
+          <p:nvPr>
+            <p:ph sz="half" idx="2"/>
+          </p:nvPr>
+        </p:nvSpPr>
+        <p:spPr/>
+        <p:txBody>
+          <a:bodyPr/>
+          <a:lstStyle/>
+          <a:p>
+            <a:endParaRPr lang="cs-CZ"/>
+          </a:p>
+        </p:txBody>
+      </p:sp>
+    </p:spTree>
+    <p:extLst>
+      <p:ext uri="{BB962C8B-B14F-4D97-AF65-F5344CB8AC3E}">
+        <p14:creationId xmlns:p14="http://schemas.microsoft.com/office/powerpoint/2010/main" val="1184888615"/>
+      </p:ext>
+    </p:extLst>
+  </p:cSld>
+  <p:clrMapOvr>
+    <a:masterClrMapping/>
+  </p:clrMapOvr>
+</p:sld>
+</file>
+
+<file path=ppt/slides/slide11.xml><?xml version="1.0" encoding="utf-8"?>
+<p:sld xmlns:a="http://schemas.openxmlformats.org/drawingml/2006/main" xmlns:r="http://schemas.openxmlformats.org/officeDocument/2006/relationships" xmlns:p="http://schemas.openxmlformats.org/presentationml/2006/main">
+  <p:cSld>
+    <p:spTree>
+      <p:nvGrpSpPr>
+        <p:cNvPr id="1" name=""/>
+        <p:cNvGrpSpPr/>
+        <p:nvPr/>
+      </p:nvGrpSpPr>
+      <p:grpSpPr>
+        <a:xfrm>
+          <a:off x="0" y="0"/>
+          <a:ext cx="0" cy="0"/>
+          <a:chOff x="0" y="0"/>
+          <a:chExt cx="0" cy="0"/>
+        </a:xfrm>
+      </p:grpSpPr>
+      <p:sp>
+        <p:nvSpPr>
+          <p:cNvPr id="5" name="Nadpis 4">
+            <a:extLst>
+              <a:ext uri="{FF2B5EF4-FFF2-40B4-BE49-F238E27FC236}">
+                <a16:creationId xmlns:a16="http://schemas.microsoft.com/office/drawing/2014/main" id="{D0F502D7-E095-425E-AEB9-3A60D49CC869}"/>
+              </a:ext>
+            </a:extLst>
+          </p:cNvPr>
+          <p:cNvSpPr>
+            <a:spLocks noGrp="1"/>
+          </p:cNvSpPr>
+          <p:nvPr>
+            <p:ph type="title"/>
+          </p:nvPr>
+        </p:nvSpPr>
+        <p:spPr/>
+        <p:txBody>
+          <a:bodyPr/>
+          <a:lstStyle/>
+          <a:p>
+            <a:r>
+              <a:rPr lang="en-US" dirty="0" err="1"/>
+              <a:t>Projekt</a:t>
+            </a:r>
+            <a:endParaRPr lang="cs-CZ" dirty="0"/>
+          </a:p>
+        </p:txBody>
+      </p:sp>
+      <p:sp>
+        <p:nvSpPr>
+          <p:cNvPr id="6" name="Zástupný obsah 5">
+            <a:extLst>
+              <a:ext uri="{FF2B5EF4-FFF2-40B4-BE49-F238E27FC236}">
+                <a16:creationId xmlns:a16="http://schemas.microsoft.com/office/drawing/2014/main" id="{C6170DD3-EB1E-4E7E-9BA4-9C6036E9CA9C}"/>
+              </a:ext>
+            </a:extLst>
+          </p:cNvPr>
+          <p:cNvSpPr>
+            <a:spLocks noGrp="1"/>
+          </p:cNvSpPr>
+          <p:nvPr>
+            <p:ph idx="1"/>
+          </p:nvPr>
+        </p:nvSpPr>
+        <p:spPr/>
+        <p:txBody>
+          <a:bodyPr/>
+          <a:lstStyle/>
+          <a:p>
+            <a:pPr marL="514350" indent="-514350">
+              <a:buFont typeface="+mj-lt"/>
+              <a:buAutoNum type="arabicPeriod"/>
+            </a:pPr>
+            <a:r>
+              <a:rPr lang="cs-CZ" dirty="0"/>
+              <a:t>Vytvoření testovacího klastru</a:t>
+            </a:r>
+          </a:p>
+          <a:p>
+            <a:pPr marL="514350" indent="-514350">
+              <a:buFont typeface="+mj-lt"/>
+              <a:buAutoNum type="arabicPeriod"/>
+            </a:pPr>
+            <a:r>
+              <a:rPr lang="cs-CZ" dirty="0"/>
+              <a:t>Implementace algoritmu pro faktorizaci matic</a:t>
+            </a:r>
+          </a:p>
+          <a:p>
+            <a:pPr marL="514350" indent="-514350">
+              <a:buFont typeface="+mj-lt"/>
+              <a:buAutoNum type="arabicPeriod"/>
+            </a:pPr>
+            <a:r>
+              <a:rPr lang="cs-CZ" dirty="0"/>
+              <a:t>Vytvoření a vyhodnocení cílového modelu.</a:t>
+            </a:r>
+          </a:p>
+        </p:txBody>
+      </p:sp>
+    </p:spTree>
+    <p:extLst>
+      <p:ext uri="{BB962C8B-B14F-4D97-AF65-F5344CB8AC3E}">
+        <p14:creationId xmlns:p14="http://schemas.microsoft.com/office/powerpoint/2010/main" val="4053646708"/>
+      </p:ext>
+    </p:extLst>
+  </p:cSld>
+  <p:clrMapOvr>
+    <a:masterClrMapping/>
+  </p:clrMapOvr>
+</p:sld>
+</file>
+
+<file path=ppt/slides/slide12.xml><?xml version="1.0" encoding="utf-8"?>
+<p:sld xmlns:a="http://schemas.openxmlformats.org/drawingml/2006/main" xmlns:r="http://schemas.openxmlformats.org/officeDocument/2006/relationships" xmlns:p="http://schemas.openxmlformats.org/presentationml/2006/main">
+  <p:cSld>
+    <p:spTree>
+      <p:nvGrpSpPr>
+        <p:cNvPr id="1" name=""/>
+        <p:cNvGrpSpPr/>
+        <p:nvPr/>
+      </p:nvGrpSpPr>
+      <p:grpSpPr>
+        <a:xfrm>
+          <a:off x="0" y="0"/>
+          <a:ext cx="0" cy="0"/>
+          <a:chOff x="0" y="0"/>
+          <a:chExt cx="0" cy="0"/>
+        </a:xfrm>
+      </p:grpSpPr>
+      <p:sp>
+        <p:nvSpPr>
+          <p:cNvPr id="2" name="Nadpis 1">
+            <a:extLst>
+              <a:ext uri="{FF2B5EF4-FFF2-40B4-BE49-F238E27FC236}">
+                <a16:creationId xmlns:a16="http://schemas.microsoft.com/office/drawing/2014/main" id="{873505D8-D759-4167-AF16-8F603F94932A}"/>
+              </a:ext>
+            </a:extLst>
+          </p:cNvPr>
+          <p:cNvSpPr>
+            <a:spLocks noGrp="1"/>
+          </p:cNvSpPr>
+          <p:nvPr>
+            <p:ph type="title"/>
+          </p:nvPr>
+        </p:nvSpPr>
+        <p:spPr/>
+        <p:txBody>
+          <a:bodyPr/>
+          <a:lstStyle/>
+          <a:p>
+            <a:r>
+              <a:rPr lang="cs-CZ" dirty="0"/>
+              <a:t>Vytvoření testovacího klastru</a:t>
+            </a:r>
+          </a:p>
+        </p:txBody>
+      </p:sp>
+      <p:sp>
+        <p:nvSpPr>
+          <p:cNvPr id="4" name="Zástupný obsah 3">
+            <a:extLst>
+              <a:ext uri="{FF2B5EF4-FFF2-40B4-BE49-F238E27FC236}">
+                <a16:creationId xmlns:a16="http://schemas.microsoft.com/office/drawing/2014/main" id="{4C87F417-10ED-4E25-AF1C-6BB56476EB58}"/>
+              </a:ext>
+            </a:extLst>
+          </p:cNvPr>
+          <p:cNvSpPr>
+            <a:spLocks noGrp="1"/>
+          </p:cNvSpPr>
+          <p:nvPr>
+            <p:ph sz="half" idx="1"/>
+          </p:nvPr>
+        </p:nvSpPr>
+        <p:spPr>
+          <a:xfrm>
+            <a:off x="838199" y="1825625"/>
+            <a:ext cx="5450633" cy="4351338"/>
+          </a:xfrm>
+        </p:spPr>
+        <p:txBody>
+          <a:bodyPr/>
+          <a:lstStyle/>
+          <a:p>
+            <a:r>
+              <a:rPr lang="cs-CZ" dirty="0" err="1"/>
+              <a:t>Vitruální</a:t>
+            </a:r>
+            <a:r>
+              <a:rPr lang="cs-CZ" dirty="0"/>
+              <a:t> klastr</a:t>
+            </a:r>
+          </a:p>
+          <a:p>
+            <a:r>
+              <a:rPr lang="cs-CZ" dirty="0" err="1"/>
+              <a:t>VitrualBOX</a:t>
+            </a:r>
+            <a:r>
+              <a:rPr lang="cs-CZ" dirty="0"/>
+              <a:t> hypervisor</a:t>
+            </a:r>
+          </a:p>
+          <a:p>
+            <a:r>
+              <a:rPr lang="cs-CZ" dirty="0" err="1"/>
+              <a:t>Centos</a:t>
+            </a:r>
+            <a:r>
+              <a:rPr lang="cs-CZ" dirty="0"/>
+              <a:t> 7</a:t>
+            </a:r>
+          </a:p>
+          <a:p>
+            <a:r>
+              <a:rPr lang="cs-CZ" dirty="0" err="1"/>
+              <a:t>Horton</a:t>
+            </a:r>
+            <a:r>
+              <a:rPr lang="cs-CZ" dirty="0"/>
+              <a:t> Works </a:t>
+            </a:r>
+            <a:r>
+              <a:rPr lang="cs-CZ" dirty="0" err="1"/>
+              <a:t>Hadoop</a:t>
+            </a:r>
+            <a:r>
+              <a:rPr lang="cs-CZ" dirty="0"/>
+              <a:t> </a:t>
+            </a:r>
+            <a:r>
+              <a:rPr lang="cs-CZ" dirty="0" err="1"/>
+              <a:t>Distribution</a:t>
+            </a:r>
+            <a:endParaRPr lang="cs-CZ" dirty="0"/>
+          </a:p>
+          <a:p>
+            <a:pPr marL="0" indent="0">
+              <a:buNone/>
+            </a:pPr>
+            <a:endParaRPr lang="cs-CZ" dirty="0"/>
+          </a:p>
+          <a:p>
+            <a:endParaRPr lang="cs-CZ" dirty="0"/>
+          </a:p>
+        </p:txBody>
+      </p:sp>
+      <p:pic>
+        <p:nvPicPr>
+          <p:cNvPr id="6" name="Zástupný obsah 5">
+            <a:extLst>
+              <a:ext uri="{FF2B5EF4-FFF2-40B4-BE49-F238E27FC236}">
+                <a16:creationId xmlns:a16="http://schemas.microsoft.com/office/drawing/2014/main" id="{0FF1EF4F-DD92-40C1-8BAD-85985D9CE18D}"/>
+              </a:ext>
+            </a:extLst>
+          </p:cNvPr>
+          <p:cNvPicPr>
+            <a:picLocks noGrp="1" noChangeAspect="1"/>
+          </p:cNvPicPr>
+          <p:nvPr>
+            <p:ph sz="half" idx="2"/>
+          </p:nvPr>
+        </p:nvPicPr>
+        <p:blipFill>
+          <a:blip r:embed="rId2"/>
+          <a:stretch>
+            <a:fillRect/>
+          </a:stretch>
+        </p:blipFill>
+        <p:spPr>
+          <a:xfrm>
+            <a:off x="6419461" y="1558521"/>
+            <a:ext cx="5181600" cy="2442773"/>
+          </a:xfrm>
+          <a:prstGeom prst="rect">
+            <a:avLst/>
+          </a:prstGeom>
+        </p:spPr>
+      </p:pic>
+    </p:spTree>
+    <p:extLst>
+      <p:ext uri="{BB962C8B-B14F-4D97-AF65-F5344CB8AC3E}">
+        <p14:creationId xmlns:p14="http://schemas.microsoft.com/office/powerpoint/2010/main" val="3965263423"/>
+      </p:ext>
+    </p:extLst>
+  </p:cSld>
+  <p:clrMapOvr>
+    <a:masterClrMapping/>
+  </p:clrMapOvr>
+</p:sld>
+</file>
+
+<file path=ppt/slides/slide13.xml><?xml version="1.0" encoding="utf-8"?>
+<p:sld xmlns:a="http://schemas.openxmlformats.org/drawingml/2006/main" xmlns:r="http://schemas.openxmlformats.org/officeDocument/2006/relationships" xmlns:p="http://schemas.openxmlformats.org/presentationml/2006/main">
+  <p:cSld>
+    <p:spTree>
+      <p:nvGrpSpPr>
+        <p:cNvPr id="1" name=""/>
+        <p:cNvGrpSpPr/>
+        <p:nvPr/>
+      </p:nvGrpSpPr>
+      <p:grpSpPr>
+        <a:xfrm>
+          <a:off x="0" y="0"/>
+          <a:ext cx="0" cy="0"/>
+          <a:chOff x="0" y="0"/>
+          <a:chExt cx="0" cy="0"/>
+        </a:xfrm>
+      </p:grpSpPr>
+      <p:sp>
+        <p:nvSpPr>
+          <p:cNvPr id="2" name="Nadpis 1">
+            <a:extLst>
+              <a:ext uri="{FF2B5EF4-FFF2-40B4-BE49-F238E27FC236}">
+                <a16:creationId xmlns:a16="http://schemas.microsoft.com/office/drawing/2014/main" id="{F36A899C-C82E-405E-ADAE-819F3CE28BDB}"/>
+              </a:ext>
+            </a:extLst>
+          </p:cNvPr>
+          <p:cNvSpPr>
+            <a:spLocks noGrp="1"/>
+          </p:cNvSpPr>
+          <p:nvPr>
+            <p:ph type="title"/>
+          </p:nvPr>
+        </p:nvSpPr>
+        <p:spPr/>
+        <p:txBody>
+          <a:bodyPr/>
+          <a:lstStyle/>
+          <a:p>
+            <a:r>
+              <a:rPr lang="cs-CZ" dirty="0"/>
+              <a:t>Zdrojová data</a:t>
+            </a:r>
+          </a:p>
+        </p:txBody>
+      </p:sp>
+      <p:sp>
+        <p:nvSpPr>
+          <p:cNvPr id="5" name="Zástupný obsah 4">
+            <a:extLst>
+              <a:ext uri="{FF2B5EF4-FFF2-40B4-BE49-F238E27FC236}">
+                <a16:creationId xmlns:a16="http://schemas.microsoft.com/office/drawing/2014/main" id="{C35E5E9A-EC42-4B25-B148-D7520130BF94}"/>
+              </a:ext>
+            </a:extLst>
+          </p:cNvPr>
+          <p:cNvSpPr>
+            <a:spLocks noGrp="1"/>
+          </p:cNvSpPr>
+          <p:nvPr>
+            <p:ph idx="1"/>
+          </p:nvPr>
+        </p:nvSpPr>
+        <p:spPr/>
+        <p:txBody>
+          <a:bodyPr/>
+          <a:lstStyle/>
+          <a:p>
+            <a:r>
+              <a:rPr lang="cs-CZ" dirty="0"/>
+              <a:t>Volně dostupný implicitní </a:t>
+            </a:r>
+            <a:r>
+              <a:rPr lang="cs-CZ" dirty="0" err="1"/>
+              <a:t>dataset</a:t>
+            </a:r>
+            <a:r>
+              <a:rPr lang="cs-CZ" dirty="0"/>
+              <a:t> z Last.fm</a:t>
+            </a:r>
+          </a:p>
+          <a:p>
+            <a:r>
+              <a:rPr lang="cs-CZ" dirty="0"/>
+              <a:t>18 milionů hodnocení</a:t>
+            </a:r>
+          </a:p>
+          <a:p>
+            <a:r>
+              <a:rPr lang="cs-CZ" dirty="0"/>
+              <a:t>360 tisíc uživatelů</a:t>
+            </a:r>
+          </a:p>
+          <a:p>
+            <a:r>
+              <a:rPr lang="cs-CZ" dirty="0"/>
+              <a:t>290 tisíc interpretů</a:t>
+            </a:r>
+          </a:p>
+          <a:p>
+            <a:endParaRPr lang="cs-CZ" dirty="0"/>
+          </a:p>
+        </p:txBody>
+      </p:sp>
+      <p:pic>
+        <p:nvPicPr>
+          <p:cNvPr id="6" name="Obrázek 5">
+            <a:extLst>
+              <a:ext uri="{FF2B5EF4-FFF2-40B4-BE49-F238E27FC236}">
+                <a16:creationId xmlns:a16="http://schemas.microsoft.com/office/drawing/2014/main" id="{D90F29D8-162A-411A-92CE-C53941313C9B}"/>
+              </a:ext>
+            </a:extLst>
+          </p:cNvPr>
+          <p:cNvPicPr>
+            <a:picLocks noChangeAspect="1"/>
+          </p:cNvPicPr>
+          <p:nvPr/>
+        </p:nvPicPr>
+        <p:blipFill>
+          <a:blip r:embed="rId2"/>
+          <a:stretch>
+            <a:fillRect/>
+          </a:stretch>
+        </p:blipFill>
+        <p:spPr>
+          <a:xfrm>
+            <a:off x="976021" y="4105955"/>
+            <a:ext cx="8896350" cy="1781175"/>
+          </a:xfrm>
+          <a:prstGeom prst="rect">
+            <a:avLst/>
+          </a:prstGeom>
+        </p:spPr>
+      </p:pic>
+    </p:spTree>
+    <p:extLst>
+      <p:ext uri="{BB962C8B-B14F-4D97-AF65-F5344CB8AC3E}">
+        <p14:creationId xmlns:p14="http://schemas.microsoft.com/office/powerpoint/2010/main" val="1182090305"/>
+      </p:ext>
+    </p:extLst>
+  </p:cSld>
+  <p:clrMapOvr>
+    <a:masterClrMapping/>
+  </p:clrMapOvr>
+</p:sld>
+</file>
+
+<file path=ppt/slides/slide14.xml><?xml version="1.0" encoding="utf-8"?>
+<p:sld xmlns:a="http://schemas.openxmlformats.org/drawingml/2006/main" xmlns:r="http://schemas.openxmlformats.org/officeDocument/2006/relationships" xmlns:p="http://schemas.openxmlformats.org/presentationml/2006/main">
+  <p:cSld>
+    <p:spTree>
+      <p:nvGrpSpPr>
+        <p:cNvPr id="1" name=""/>
+        <p:cNvGrpSpPr/>
+        <p:nvPr/>
+      </p:nvGrpSpPr>
+      <p:grpSpPr>
+        <a:xfrm>
+          <a:off x="0" y="0"/>
+          <a:ext cx="0" cy="0"/>
+          <a:chOff x="0" y="0"/>
+          <a:chExt cx="0" cy="0"/>
+        </a:xfrm>
+      </p:grpSpPr>
+      <p:sp>
+        <p:nvSpPr>
+          <p:cNvPr id="2" name="Nadpis 1">
+            <a:extLst>
+              <a:ext uri="{FF2B5EF4-FFF2-40B4-BE49-F238E27FC236}">
+                <a16:creationId xmlns:a16="http://schemas.microsoft.com/office/drawing/2014/main" id="{68FACC11-AB79-465E-AC1B-4D852701E478}"/>
+              </a:ext>
+            </a:extLst>
+          </p:cNvPr>
+          <p:cNvSpPr>
+            <a:spLocks noGrp="1"/>
+          </p:cNvSpPr>
+          <p:nvPr>
+            <p:ph type="title"/>
+          </p:nvPr>
+        </p:nvSpPr>
+        <p:spPr/>
+        <p:txBody>
+          <a:bodyPr/>
+          <a:lstStyle/>
+          <a:p>
+            <a:r>
+              <a:rPr lang="cs-CZ" dirty="0"/>
+              <a:t>Příprava dat</a:t>
+            </a:r>
+          </a:p>
+        </p:txBody>
+      </p:sp>
+      <p:sp>
+        <p:nvSpPr>
+          <p:cNvPr id="9" name="Zástupný obsah 8">
+            <a:extLst>
+              <a:ext uri="{FF2B5EF4-FFF2-40B4-BE49-F238E27FC236}">
+                <a16:creationId xmlns:a16="http://schemas.microsoft.com/office/drawing/2014/main" id="{D7A43555-5721-42CC-A522-8378E50F8806}"/>
+              </a:ext>
+            </a:extLst>
+          </p:cNvPr>
+          <p:cNvSpPr>
+            <a:spLocks noGrp="1"/>
+          </p:cNvSpPr>
+          <p:nvPr>
+            <p:ph sz="half" idx="1"/>
+          </p:nvPr>
+        </p:nvSpPr>
+        <p:spPr>
+          <a:xfrm>
+            <a:off x="838200" y="1825625"/>
+            <a:ext cx="4657531" cy="4351338"/>
+          </a:xfrm>
+        </p:spPr>
+        <p:txBody>
+          <a:bodyPr/>
+          <a:lstStyle/>
+          <a:p>
+            <a:r>
+              <a:rPr lang="cs-CZ" dirty="0" err="1"/>
+              <a:t>Zparsování</a:t>
+            </a:r>
+            <a:r>
+              <a:rPr lang="cs-CZ" dirty="0"/>
+              <a:t> řádků</a:t>
+            </a:r>
+          </a:p>
+          <a:p>
+            <a:r>
+              <a:rPr lang="cs-CZ" dirty="0"/>
+              <a:t>Převod identifikátorů na celá čísla</a:t>
+            </a:r>
+          </a:p>
+          <a:p>
+            <a:r>
+              <a:rPr lang="cs-CZ" dirty="0"/>
+              <a:t>Rozdělení na tréninková a testovací data</a:t>
+            </a:r>
+          </a:p>
+        </p:txBody>
+      </p:sp>
+      <p:pic>
+        <p:nvPicPr>
+          <p:cNvPr id="13" name="Zástupný obsah 12">
+            <a:extLst>
+              <a:ext uri="{FF2B5EF4-FFF2-40B4-BE49-F238E27FC236}">
+                <a16:creationId xmlns:a16="http://schemas.microsoft.com/office/drawing/2014/main" id="{F60F7B12-5077-4C2F-AD05-57D93F0550C6}"/>
+              </a:ext>
+            </a:extLst>
+          </p:cNvPr>
+          <p:cNvPicPr>
+            <a:picLocks noGrp="1" noChangeAspect="1"/>
+          </p:cNvPicPr>
+          <p:nvPr>
+            <p:ph sz="half" idx="2"/>
+          </p:nvPr>
+        </p:nvPicPr>
+        <p:blipFill>
+          <a:blip r:embed="rId2"/>
+          <a:stretch>
+            <a:fillRect/>
+          </a:stretch>
+        </p:blipFill>
+        <p:spPr>
+          <a:xfrm>
+            <a:off x="5705669" y="1825625"/>
+            <a:ext cx="5491066" cy="3100938"/>
+          </a:xfrm>
+          <a:prstGeom prst="rect">
+            <a:avLst/>
+          </a:prstGeom>
+        </p:spPr>
+      </p:pic>
+    </p:spTree>
+    <p:extLst>
+      <p:ext uri="{BB962C8B-B14F-4D97-AF65-F5344CB8AC3E}">
+        <p14:creationId xmlns:p14="http://schemas.microsoft.com/office/powerpoint/2010/main" val="3410626204"/>
+      </p:ext>
+    </p:extLst>
+  </p:cSld>
+  <p:clrMapOvr>
+    <a:masterClrMapping/>
+  </p:clrMapOvr>
+</p:sld>
+</file>
+
+<file path=ppt/slides/slide15.xml><?xml version="1.0" encoding="utf-8"?>
+<p:sld xmlns:a="http://schemas.openxmlformats.org/drawingml/2006/main" xmlns:r="http://schemas.openxmlformats.org/officeDocument/2006/relationships" xmlns:p="http://schemas.openxmlformats.org/presentationml/2006/main">
+  <p:cSld>
+    <p:spTree>
+      <p:nvGrpSpPr>
+        <p:cNvPr id="1" name=""/>
+        <p:cNvGrpSpPr/>
+        <p:nvPr/>
+      </p:nvGrpSpPr>
+      <p:grpSpPr>
+        <a:xfrm>
+          <a:off x="0" y="0"/>
+          <a:ext cx="0" cy="0"/>
+          <a:chOff x="0" y="0"/>
+          <a:chExt cx="0" cy="0"/>
+        </a:xfrm>
+      </p:grpSpPr>
+      <p:sp>
+        <p:nvSpPr>
+          <p:cNvPr id="2" name="Nadpis 1">
+            <a:extLst>
+              <a:ext uri="{FF2B5EF4-FFF2-40B4-BE49-F238E27FC236}">
+                <a16:creationId xmlns:a16="http://schemas.microsoft.com/office/drawing/2014/main" id="{BCEA8D14-9B9F-4DEE-A353-45B37606CC33}"/>
+              </a:ext>
+            </a:extLst>
+          </p:cNvPr>
+          <p:cNvSpPr>
+            <a:spLocks noGrp="1"/>
+          </p:cNvSpPr>
+          <p:nvPr>
+            <p:ph type="title"/>
+          </p:nvPr>
+        </p:nvSpPr>
+        <p:spPr/>
+        <p:txBody>
+          <a:bodyPr/>
+          <a:lstStyle/>
+          <a:p>
+            <a:r>
+              <a:rPr lang="cs-CZ" dirty="0"/>
+              <a:t>Průzkum dat I.</a:t>
+            </a:r>
+          </a:p>
+        </p:txBody>
+      </p:sp>
+      <p:pic>
+        <p:nvPicPr>
+          <p:cNvPr id="4" name="Zástupný obsah 3">
+            <a:extLst>
+              <a:ext uri="{FF2B5EF4-FFF2-40B4-BE49-F238E27FC236}">
+                <a16:creationId xmlns:a16="http://schemas.microsoft.com/office/drawing/2014/main" id="{3E925C7E-FC23-4455-8F24-FFCACD005579}"/>
+              </a:ext>
+            </a:extLst>
+          </p:cNvPr>
+          <p:cNvPicPr>
+            <a:picLocks noGrp="1" noChangeAspect="1"/>
+          </p:cNvPicPr>
+          <p:nvPr>
+            <p:ph idx="1"/>
+          </p:nvPr>
+        </p:nvPicPr>
+        <p:blipFill>
+          <a:blip r:embed="rId2"/>
+          <a:stretch>
+            <a:fillRect/>
+          </a:stretch>
+        </p:blipFill>
+        <p:spPr>
+          <a:xfrm>
+            <a:off x="838200" y="1466753"/>
+            <a:ext cx="8915400" cy="2228169"/>
+          </a:xfrm>
+          <a:prstGeom prst="rect">
+            <a:avLst/>
+          </a:prstGeom>
+        </p:spPr>
+      </p:pic>
+      <p:pic>
+        <p:nvPicPr>
+          <p:cNvPr id="5" name="Obrázek 4">
+            <a:extLst>
+              <a:ext uri="{FF2B5EF4-FFF2-40B4-BE49-F238E27FC236}">
+                <a16:creationId xmlns:a16="http://schemas.microsoft.com/office/drawing/2014/main" id="{D56CE5AC-0F2B-4BCE-AC66-CBE44884AED9}"/>
+              </a:ext>
+            </a:extLst>
+          </p:cNvPr>
+          <p:cNvPicPr>
+            <a:picLocks noChangeAspect="1"/>
+          </p:cNvPicPr>
+          <p:nvPr/>
+        </p:nvPicPr>
+        <p:blipFill>
+          <a:blip r:embed="rId3"/>
+          <a:stretch>
+            <a:fillRect/>
+          </a:stretch>
+        </p:blipFill>
+        <p:spPr>
+          <a:xfrm>
+            <a:off x="790575" y="3694922"/>
+            <a:ext cx="8963025" cy="2676525"/>
+          </a:xfrm>
+          <a:prstGeom prst="rect">
+            <a:avLst/>
+          </a:prstGeom>
+        </p:spPr>
+      </p:pic>
+    </p:spTree>
+    <p:extLst>
+      <p:ext uri="{BB962C8B-B14F-4D97-AF65-F5344CB8AC3E}">
+        <p14:creationId xmlns:p14="http://schemas.microsoft.com/office/powerpoint/2010/main" val="3778643505"/>
+      </p:ext>
+    </p:extLst>
+  </p:cSld>
+  <p:clrMapOvr>
+    <a:masterClrMapping/>
+  </p:clrMapOvr>
+</p:sld>
+</file>
+
+<file path=ppt/slides/slide16.xml><?xml version="1.0" encoding="utf-8"?>
+<p:sld xmlns:a="http://schemas.openxmlformats.org/drawingml/2006/main" xmlns:r="http://schemas.openxmlformats.org/officeDocument/2006/relationships" xmlns:p="http://schemas.openxmlformats.org/presentationml/2006/main">
+  <p:cSld>
+    <p:spTree>
+      <p:nvGrpSpPr>
+        <p:cNvPr id="1" name=""/>
+        <p:cNvGrpSpPr/>
+        <p:nvPr/>
+      </p:nvGrpSpPr>
+      <p:grpSpPr>
+        <a:xfrm>
+          <a:off x="0" y="0"/>
+          <a:ext cx="0" cy="0"/>
+          <a:chOff x="0" y="0"/>
+          <a:chExt cx="0" cy="0"/>
+        </a:xfrm>
+      </p:grpSpPr>
+      <p:sp>
+        <p:nvSpPr>
+          <p:cNvPr id="2" name="Nadpis 1">
+            <a:extLst>
+              <a:ext uri="{FF2B5EF4-FFF2-40B4-BE49-F238E27FC236}">
+                <a16:creationId xmlns:a16="http://schemas.microsoft.com/office/drawing/2014/main" id="{790E34C5-4BB8-4612-AF04-419B3CBDE72B}"/>
+              </a:ext>
+            </a:extLst>
+          </p:cNvPr>
+          <p:cNvSpPr>
+            <a:spLocks noGrp="1"/>
+          </p:cNvSpPr>
+          <p:nvPr>
+            <p:ph type="title"/>
+          </p:nvPr>
+        </p:nvSpPr>
+        <p:spPr/>
+        <p:txBody>
+          <a:bodyPr/>
+          <a:lstStyle/>
+          <a:p>
+            <a:r>
+              <a:rPr lang="cs-CZ" dirty="0"/>
+              <a:t>Průzkum dat II.</a:t>
+            </a:r>
+          </a:p>
+        </p:txBody>
+      </p:sp>
+      <p:pic>
+        <p:nvPicPr>
+          <p:cNvPr id="4" name="Zástupný obsah 3">
+            <a:extLst>
+              <a:ext uri="{FF2B5EF4-FFF2-40B4-BE49-F238E27FC236}">
+                <a16:creationId xmlns:a16="http://schemas.microsoft.com/office/drawing/2014/main" id="{8A3E177D-3E49-42B9-8A25-8183E22382D6}"/>
+              </a:ext>
+            </a:extLst>
+          </p:cNvPr>
+          <p:cNvPicPr>
+            <a:picLocks noGrp="1" noChangeAspect="1"/>
+          </p:cNvPicPr>
+          <p:nvPr>
+            <p:ph idx="1"/>
+          </p:nvPr>
+        </p:nvPicPr>
+        <p:blipFill>
+          <a:blip r:embed="rId2"/>
+          <a:stretch>
+            <a:fillRect/>
+          </a:stretch>
+        </p:blipFill>
+        <p:spPr>
+          <a:xfrm>
+            <a:off x="838200" y="1416909"/>
+            <a:ext cx="8896350" cy="1809750"/>
+          </a:xfrm>
+          <a:prstGeom prst="rect">
+            <a:avLst/>
+          </a:prstGeom>
+        </p:spPr>
+      </p:pic>
+      <p:pic>
+        <p:nvPicPr>
+          <p:cNvPr id="5" name="Obrázek 4">
+            <a:extLst>
+              <a:ext uri="{FF2B5EF4-FFF2-40B4-BE49-F238E27FC236}">
+                <a16:creationId xmlns:a16="http://schemas.microsoft.com/office/drawing/2014/main" id="{30F3222C-311E-4408-BA91-0C208043EAB2}"/>
+              </a:ext>
+            </a:extLst>
+          </p:cNvPr>
+          <p:cNvPicPr>
+            <a:picLocks noChangeAspect="1"/>
+          </p:cNvPicPr>
+          <p:nvPr/>
+        </p:nvPicPr>
+        <p:blipFill>
+          <a:blip r:embed="rId3"/>
+          <a:stretch>
+            <a:fillRect/>
+          </a:stretch>
+        </p:blipFill>
+        <p:spPr>
+          <a:xfrm>
+            <a:off x="800100" y="3429000"/>
+            <a:ext cx="8934450" cy="2676525"/>
+          </a:xfrm>
+          <a:prstGeom prst="rect">
+            <a:avLst/>
+          </a:prstGeom>
+        </p:spPr>
+      </p:pic>
+    </p:spTree>
+    <p:extLst>
+      <p:ext uri="{BB962C8B-B14F-4D97-AF65-F5344CB8AC3E}">
+        <p14:creationId xmlns:p14="http://schemas.microsoft.com/office/powerpoint/2010/main" val="1041424460"/>
       </p:ext>
     </p:extLst>
   </p:cSld>
@@ -3536,12 +4486,16 @@
           <a:lstStyle/>
           <a:p>
             <a:r>
+              <a:rPr lang="cs-CZ" dirty="0"/>
+              <a:t>Implementace </a:t>
+            </a:r>
+            <a:r>
               <a:rPr lang="cs-CZ" dirty="0" err="1"/>
-              <a:t>Doporučovací</a:t>
-            </a:r>
-            <a:r>
-              <a:rPr lang="cs-CZ" dirty="0"/>
-              <a:t> systémy</a:t>
+              <a:t>doporučovacího</a:t>
+            </a:r>
+            <a:r>
+              <a:rPr lang="cs-CZ" dirty="0"/>
+              <a:t> algoritmu</a:t>
             </a:r>
           </a:p>
         </p:txBody>
@@ -3562,10 +4516,179 @@
             <p:ph sz="half" idx="1"/>
           </p:nvPr>
         </p:nvSpPr>
-        <p:spPr/>
-        <p:txBody>
-          <a:bodyPr/>
-          <a:lstStyle/>
+        <p:spPr>
+          <a:xfrm>
+            <a:off x="838200" y="1825625"/>
+            <a:ext cx="5334000" cy="4351338"/>
+          </a:xfrm>
+        </p:spPr>
+        <p:txBody>
+          <a:bodyPr>
+            <a:normAutofit fontScale="55000" lnSpcReduction="20000"/>
+          </a:bodyPr>
+          <a:lstStyle/>
+          <a:p>
+            <a:r>
+              <a:rPr lang="cs-CZ" b="1" dirty="0"/>
+              <a:t>Kolaborativní filtrování</a:t>
+            </a:r>
+          </a:p>
+          <a:p>
+            <a:pPr>
+              <a:buFont typeface="Wingdings" panose="05000000000000000000" pitchFamily="2" charset="2"/>
+              <a:buChar char="§"/>
+            </a:pPr>
+            <a:r>
+              <a:rPr lang="cs-CZ" dirty="0"/>
+              <a:t>Využívá předchozí interakci se systémem </a:t>
+            </a:r>
+          </a:p>
+          <a:p>
+            <a:pPr>
+              <a:buFont typeface="Wingdings" panose="05000000000000000000" pitchFamily="2" charset="2"/>
+              <a:buChar char="§"/>
+            </a:pPr>
+            <a:r>
+              <a:rPr lang="cs-CZ" dirty="0"/>
+              <a:t>Počet shlédnutí filmu, nákup knihy</a:t>
+            </a:r>
+          </a:p>
+          <a:p>
+            <a:pPr>
+              <a:buFont typeface="Wingdings" panose="05000000000000000000" pitchFamily="2" charset="2"/>
+              <a:buChar char="§"/>
+            </a:pPr>
+            <a:r>
+              <a:rPr lang="cs-CZ" dirty="0"/>
+              <a:t>Souhrnně hodnocení produktu</a:t>
+            </a:r>
+          </a:p>
+          <a:p>
+            <a:pPr>
+              <a:buFont typeface="Wingdings" panose="05000000000000000000" pitchFamily="2" charset="2"/>
+              <a:buChar char="§"/>
+            </a:pPr>
+            <a:endParaRPr lang="cs-CZ" dirty="0"/>
+          </a:p>
+          <a:p>
+            <a:r>
+              <a:rPr lang="cs-CZ" b="1" dirty="0"/>
+              <a:t>Faktorizace matic</a:t>
+            </a:r>
+          </a:p>
+          <a:p>
+            <a:pPr>
+              <a:buFont typeface="Wingdings" panose="05000000000000000000" pitchFamily="2" charset="2"/>
+              <a:buChar char="§"/>
+            </a:pPr>
+            <a:r>
+              <a:rPr lang="cs-CZ" dirty="0"/>
+              <a:t>Hodnocení reprezentujeme jako matici</a:t>
+            </a:r>
+          </a:p>
+          <a:p>
+            <a:pPr>
+              <a:buFont typeface="Wingdings" panose="05000000000000000000" pitchFamily="2" charset="2"/>
+              <a:buChar char="§"/>
+            </a:pPr>
+            <a:r>
+              <a:rPr lang="cs-CZ" dirty="0"/>
+              <a:t>Rozklad na 2 faktorové matice s nízkým počtem rozměrů</a:t>
+            </a:r>
+          </a:p>
+          <a:p>
+            <a:pPr>
+              <a:buFont typeface="Wingdings" panose="05000000000000000000" pitchFamily="2" charset="2"/>
+              <a:buChar char="§"/>
+            </a:pPr>
+            <a:r>
+              <a:rPr lang="cs-CZ" dirty="0"/>
+              <a:t>Každý rozměr odpovídá skryté vlastnosti modelu</a:t>
+            </a:r>
+          </a:p>
+          <a:p>
+            <a:pPr>
+              <a:buFont typeface="Wingdings" panose="05000000000000000000" pitchFamily="2" charset="2"/>
+              <a:buChar char="§"/>
+            </a:pPr>
+            <a:r>
+              <a:rPr lang="cs-CZ" dirty="0"/>
+              <a:t>Matice vzniklá násobením obsahuje predikované hodnoty</a:t>
+            </a:r>
+          </a:p>
+          <a:p>
+            <a:pPr>
+              <a:buFont typeface="Wingdings" panose="05000000000000000000" pitchFamily="2" charset="2"/>
+              <a:buChar char="§"/>
+            </a:pPr>
+            <a:endParaRPr lang="cs-CZ" dirty="0"/>
+          </a:p>
+          <a:p>
+            <a:r>
+              <a:rPr lang="cs-CZ" b="1" dirty="0"/>
+              <a:t>Implementováno pro </a:t>
+            </a:r>
+            <a:r>
+              <a:rPr lang="cs-CZ" b="1" dirty="0" err="1"/>
+              <a:t>Apache</a:t>
+            </a:r>
+            <a:r>
+              <a:rPr lang="cs-CZ" b="1" dirty="0"/>
+              <a:t> </a:t>
+            </a:r>
+            <a:r>
+              <a:rPr lang="cs-CZ" b="1" dirty="0" err="1"/>
+              <a:t>Spark</a:t>
+            </a:r>
+            <a:r>
+              <a:rPr lang="cs-CZ" b="1" dirty="0"/>
+              <a:t> API</a:t>
+            </a:r>
+          </a:p>
+          <a:p>
+            <a:pPr>
+              <a:buFont typeface="Wingdings" panose="05000000000000000000" pitchFamily="2" charset="2"/>
+              <a:buChar char="§"/>
+            </a:pPr>
+            <a:r>
+              <a:rPr lang="cs-CZ" dirty="0" err="1"/>
+              <a:t>Scala</a:t>
+            </a:r>
+            <a:endParaRPr lang="cs-CZ" dirty="0"/>
+          </a:p>
+          <a:p>
+            <a:pPr>
+              <a:buFont typeface="Wingdings" panose="05000000000000000000" pitchFamily="2" charset="2"/>
+              <a:buChar char="§"/>
+            </a:pPr>
+            <a:r>
+              <a:rPr lang="cs-CZ" dirty="0"/>
+              <a:t>Určeno pro běhové prostředí Javy</a:t>
+            </a:r>
+          </a:p>
+          <a:p>
+            <a:pPr>
+              <a:buFont typeface="Wingdings" panose="05000000000000000000" pitchFamily="2" charset="2"/>
+              <a:buChar char="§"/>
+            </a:pPr>
+            <a:r>
+              <a:rPr lang="cs-CZ" dirty="0"/>
+              <a:t>Výstupem standartní JAR</a:t>
+            </a:r>
+          </a:p>
+          <a:p>
+            <a:pPr>
+              <a:buFont typeface="Wingdings" panose="05000000000000000000" pitchFamily="2" charset="2"/>
+              <a:buChar char="§"/>
+            </a:pPr>
+            <a:endParaRPr lang="cs-CZ" dirty="0"/>
+          </a:p>
+          <a:p>
+            <a:endParaRPr lang="cs-CZ" dirty="0"/>
+          </a:p>
+          <a:p>
+            <a:endParaRPr lang="cs-CZ" dirty="0"/>
+          </a:p>
           <a:p>
             <a:endParaRPr lang="cs-CZ" dirty="0"/>
           </a:p>
@@ -3573,10 +4696,10 @@
       </p:sp>
       <p:pic>
         <p:nvPicPr>
-          <p:cNvPr id="7" name="Zástupný obsah 6">
-            <a:extLst>
-              <a:ext uri="{FF2B5EF4-FFF2-40B4-BE49-F238E27FC236}">
-                <a16:creationId xmlns:a16="http://schemas.microsoft.com/office/drawing/2014/main" id="{6B2C266B-E8B5-4C44-919D-18CB00BEC6CB}"/>
+          <p:cNvPr id="8" name="Zástupný obsah 7">
+            <a:extLst>
+              <a:ext uri="{FF2B5EF4-FFF2-40B4-BE49-F238E27FC236}">
+                <a16:creationId xmlns:a16="http://schemas.microsoft.com/office/drawing/2014/main" id="{905DC779-72B1-4C8F-90A8-0B1837B47CAD}"/>
               </a:ext>
             </a:extLst>
           </p:cNvPr>
@@ -3595,8 +4718,8 @@
         </p:blipFill>
         <p:spPr>
           <a:xfrm>
-            <a:off x="6172200" y="2329685"/>
-            <a:ext cx="5181600" cy="3343217"/>
+            <a:off x="6298162" y="1825625"/>
+            <a:ext cx="5055637" cy="2801189"/>
           </a:xfrm>
           <a:prstGeom prst="rect">
             <a:avLst/>
@@ -3635,6 +4758,645 @@
       </p:grpSpPr>
       <p:sp>
         <p:nvSpPr>
+          <p:cNvPr id="2" name="Nadpis 1">
+            <a:extLst>
+              <a:ext uri="{FF2B5EF4-FFF2-40B4-BE49-F238E27FC236}">
+                <a16:creationId xmlns:a16="http://schemas.microsoft.com/office/drawing/2014/main" id="{F02FBA3D-C3C1-41F3-BC73-EB8398F6FE98}"/>
+              </a:ext>
+            </a:extLst>
+          </p:cNvPr>
+          <p:cNvSpPr>
+            <a:spLocks noGrp="1"/>
+          </p:cNvSpPr>
+          <p:nvPr>
+            <p:ph type="title"/>
+          </p:nvPr>
+        </p:nvSpPr>
+        <p:spPr/>
+        <p:txBody>
+          <a:bodyPr/>
+          <a:lstStyle/>
+          <a:p>
+            <a:r>
+              <a:rPr lang="cs-CZ" dirty="0"/>
+              <a:t>Faktorizace matic </a:t>
+            </a:r>
+            <a:r>
+              <a:rPr lang="en-US" dirty="0"/>
+              <a:t>- </a:t>
+            </a:r>
+            <a:r>
+              <a:rPr lang="cs-CZ" dirty="0"/>
+              <a:t>příklad</a:t>
+            </a:r>
+          </a:p>
+        </p:txBody>
+      </p:sp>
+      <p:sp>
+        <p:nvSpPr>
+          <p:cNvPr id="3" name="Zástupný obsah 2">
+            <a:extLst>
+              <a:ext uri="{FF2B5EF4-FFF2-40B4-BE49-F238E27FC236}">
+                <a16:creationId xmlns:a16="http://schemas.microsoft.com/office/drawing/2014/main" id="{5C137706-4055-4B9D-B516-79B6C5A94FF9}"/>
+              </a:ext>
+            </a:extLst>
+          </p:cNvPr>
+          <p:cNvSpPr>
+            <a:spLocks noGrp="1"/>
+          </p:cNvSpPr>
+          <p:nvPr>
+            <p:ph sz="half" idx="1"/>
+          </p:nvPr>
+        </p:nvSpPr>
+        <p:spPr>
+          <a:xfrm>
+            <a:off x="838200" y="1825625"/>
+            <a:ext cx="3929743" cy="4351338"/>
+          </a:xfrm>
+        </p:spPr>
+        <p:txBody>
+          <a:bodyPr/>
+          <a:lstStyle/>
+          <a:p>
+            <a:r>
+              <a:rPr lang="en-US" dirty="0"/>
+              <a:t>4 u</a:t>
+            </a:r>
+            <a:r>
+              <a:rPr lang="cs-CZ" dirty="0" err="1"/>
+              <a:t>živatelé</a:t>
+            </a:r>
+            <a:endParaRPr lang="cs-CZ" dirty="0"/>
+          </a:p>
+          <a:p>
+            <a:r>
+              <a:rPr lang="cs-CZ" dirty="0"/>
+              <a:t>4 produkty</a:t>
+            </a:r>
+          </a:p>
+          <a:p>
+            <a:r>
+              <a:rPr lang="cs-CZ" dirty="0"/>
+              <a:t>8 hodnocení</a:t>
+            </a:r>
+          </a:p>
+          <a:p>
+            <a:endParaRPr lang="cs-CZ" dirty="0"/>
+          </a:p>
+        </p:txBody>
+      </p:sp>
+      <p:pic>
+        <p:nvPicPr>
+          <p:cNvPr id="6" name="Obrázek 5">
+            <a:extLst>
+              <a:ext uri="{FF2B5EF4-FFF2-40B4-BE49-F238E27FC236}">
+                <a16:creationId xmlns:a16="http://schemas.microsoft.com/office/drawing/2014/main" id="{E87DFBA6-3976-4093-8CA7-FC8438B66A88}"/>
+              </a:ext>
+            </a:extLst>
+          </p:cNvPr>
+          <p:cNvPicPr>
+            <a:picLocks noChangeAspect="1"/>
+          </p:cNvPicPr>
+          <p:nvPr/>
+        </p:nvPicPr>
+        <p:blipFill>
+          <a:blip r:embed="rId2"/>
+          <a:stretch>
+            <a:fillRect/>
+          </a:stretch>
+        </p:blipFill>
+        <p:spPr>
+          <a:xfrm>
+            <a:off x="4819650" y="1825625"/>
+            <a:ext cx="6534150" cy="2495550"/>
+          </a:xfrm>
+          <a:prstGeom prst="rect">
+            <a:avLst/>
+          </a:prstGeom>
+        </p:spPr>
+      </p:pic>
+      <p:pic>
+        <p:nvPicPr>
+          <p:cNvPr id="8" name="Zástupný obsah 4">
+            <a:extLst>
+              <a:ext uri="{FF2B5EF4-FFF2-40B4-BE49-F238E27FC236}">
+                <a16:creationId xmlns:a16="http://schemas.microsoft.com/office/drawing/2014/main" id="{2DD3795B-8517-4560-A979-CFDC2F354C88}"/>
+              </a:ext>
+            </a:extLst>
+          </p:cNvPr>
+          <p:cNvPicPr>
+            <a:picLocks noGrp="1" noChangeAspect="1"/>
+          </p:cNvPicPr>
+          <p:nvPr>
+            <p:ph sz="half" idx="2"/>
+          </p:nvPr>
+        </p:nvPicPr>
+        <p:blipFill>
+          <a:blip r:embed="rId3"/>
+          <a:stretch>
+            <a:fillRect/>
+          </a:stretch>
+        </p:blipFill>
+        <p:spPr>
+          <a:xfrm>
+            <a:off x="4819650" y="4729163"/>
+            <a:ext cx="6572250" cy="1447800"/>
+          </a:xfrm>
+          <a:prstGeom prst="rect">
+            <a:avLst/>
+          </a:prstGeom>
+        </p:spPr>
+      </p:pic>
+    </p:spTree>
+    <p:extLst>
+      <p:ext uri="{BB962C8B-B14F-4D97-AF65-F5344CB8AC3E}">
+        <p14:creationId xmlns:p14="http://schemas.microsoft.com/office/powerpoint/2010/main" val="829186273"/>
+      </p:ext>
+    </p:extLst>
+  </p:cSld>
+  <p:clrMapOvr>
+    <a:masterClrMapping/>
+  </p:clrMapOvr>
+</p:sld>
+</file>
+
+<file path=ppt/slides/slide4.xml><?xml version="1.0" encoding="utf-8"?>
+<p:sld xmlns:a="http://schemas.openxmlformats.org/drawingml/2006/main" xmlns:r="http://schemas.openxmlformats.org/officeDocument/2006/relationships" xmlns:p="http://schemas.openxmlformats.org/presentationml/2006/main">
+  <p:cSld>
+    <p:spTree>
+      <p:nvGrpSpPr>
+        <p:cNvPr id="1" name=""/>
+        <p:cNvGrpSpPr/>
+        <p:nvPr/>
+      </p:nvGrpSpPr>
+      <p:grpSpPr>
+        <a:xfrm>
+          <a:off x="0" y="0"/>
+          <a:ext cx="0" cy="0"/>
+          <a:chOff x="0" y="0"/>
+          <a:chExt cx="0" cy="0"/>
+        </a:xfrm>
+      </p:grpSpPr>
+      <p:sp>
+        <p:nvSpPr>
+          <p:cNvPr id="2" name="Nadpis 1">
+            <a:extLst>
+              <a:ext uri="{FF2B5EF4-FFF2-40B4-BE49-F238E27FC236}">
+                <a16:creationId xmlns:a16="http://schemas.microsoft.com/office/drawing/2014/main" id="{730668AE-8F3D-4A41-B4B0-8EAEF5DA1BD7}"/>
+              </a:ext>
+            </a:extLst>
+          </p:cNvPr>
+          <p:cNvSpPr>
+            <a:spLocks noGrp="1"/>
+          </p:cNvSpPr>
+          <p:nvPr>
+            <p:ph type="title"/>
+          </p:nvPr>
+        </p:nvSpPr>
+        <p:spPr/>
+        <p:txBody>
+          <a:bodyPr/>
+          <a:lstStyle/>
+          <a:p>
+            <a:r>
+              <a:rPr lang="cs-CZ" dirty="0"/>
+              <a:t>Faktorizace matic </a:t>
+            </a:r>
+            <a:r>
+              <a:rPr lang="en-US" dirty="0"/>
+              <a:t>- </a:t>
+            </a:r>
+            <a:r>
+              <a:rPr lang="cs-CZ" dirty="0"/>
+              <a:t>příklad</a:t>
+            </a:r>
+          </a:p>
+        </p:txBody>
+      </p:sp>
+      <p:sp>
+        <p:nvSpPr>
+          <p:cNvPr id="13" name="Zástupný obsah 12">
+            <a:extLst>
+              <a:ext uri="{FF2B5EF4-FFF2-40B4-BE49-F238E27FC236}">
+                <a16:creationId xmlns:a16="http://schemas.microsoft.com/office/drawing/2014/main" id="{472BAC29-2234-4E23-A64D-45205E8F927A}"/>
+              </a:ext>
+            </a:extLst>
+          </p:cNvPr>
+          <p:cNvSpPr>
+            <a:spLocks noGrp="1"/>
+          </p:cNvSpPr>
+          <p:nvPr>
+            <p:ph idx="1"/>
+          </p:nvPr>
+        </p:nvSpPr>
+        <p:spPr>
+          <a:xfrm>
+            <a:off x="838200" y="1825624"/>
+            <a:ext cx="8829675" cy="4360571"/>
+          </a:xfrm>
+        </p:spPr>
+        <p:txBody>
+          <a:bodyPr/>
+          <a:lstStyle/>
+          <a:p>
+            <a:pPr marL="0" indent="0">
+              <a:buNone/>
+            </a:pPr>
+            <a:r>
+              <a:rPr lang="cs-CZ" i="1"/>
+              <a:t>Zdrojova matice</a:t>
+            </a:r>
+            <a:endParaRPr lang="cs-CZ" dirty="0"/>
+          </a:p>
+        </p:txBody>
+      </p:sp>
+      <p:pic>
+        <p:nvPicPr>
+          <p:cNvPr id="14" name="Obrázek 13">
+            <a:extLst>
+              <a:ext uri="{FF2B5EF4-FFF2-40B4-BE49-F238E27FC236}">
+                <a16:creationId xmlns:a16="http://schemas.microsoft.com/office/drawing/2014/main" id="{9166BEFE-0A85-491B-BFD2-4E312F205564}"/>
+              </a:ext>
+            </a:extLst>
+          </p:cNvPr>
+          <p:cNvPicPr>
+            <a:picLocks noChangeAspect="1"/>
+          </p:cNvPicPr>
+          <p:nvPr/>
+        </p:nvPicPr>
+        <p:blipFill>
+          <a:blip r:embed="rId2"/>
+          <a:stretch>
+            <a:fillRect/>
+          </a:stretch>
+        </p:blipFill>
+        <p:spPr>
+          <a:xfrm>
+            <a:off x="944043" y="1614098"/>
+            <a:ext cx="8829675" cy="2752725"/>
+          </a:xfrm>
+          <a:prstGeom prst="rect">
+            <a:avLst/>
+          </a:prstGeom>
+        </p:spPr>
+      </p:pic>
+      <p:pic>
+        <p:nvPicPr>
+          <p:cNvPr id="16" name="Obrázek 15">
+            <a:extLst>
+              <a:ext uri="{FF2B5EF4-FFF2-40B4-BE49-F238E27FC236}">
+                <a16:creationId xmlns:a16="http://schemas.microsoft.com/office/drawing/2014/main" id="{12C1D23C-A7F7-46B0-A407-D0A37FC48514}"/>
+              </a:ext>
+            </a:extLst>
+          </p:cNvPr>
+          <p:cNvPicPr>
+            <a:picLocks noChangeAspect="1"/>
+          </p:cNvPicPr>
+          <p:nvPr/>
+        </p:nvPicPr>
+        <p:blipFill>
+          <a:blip r:embed="rId3"/>
+          <a:stretch>
+            <a:fillRect/>
+          </a:stretch>
+        </p:blipFill>
+        <p:spPr>
+          <a:xfrm>
+            <a:off x="3676261" y="4832284"/>
+            <a:ext cx="6097457" cy="1419225"/>
+          </a:xfrm>
+          <a:prstGeom prst="rect">
+            <a:avLst/>
+          </a:prstGeom>
+        </p:spPr>
+      </p:pic>
+      <p:pic>
+        <p:nvPicPr>
+          <p:cNvPr id="17" name="Obrázek 16">
+            <a:extLst>
+              <a:ext uri="{FF2B5EF4-FFF2-40B4-BE49-F238E27FC236}">
+                <a16:creationId xmlns:a16="http://schemas.microsoft.com/office/drawing/2014/main" id="{CA9D0A41-6E73-4B6C-972A-9A0EDECACE52}"/>
+              </a:ext>
+            </a:extLst>
+          </p:cNvPr>
+          <p:cNvPicPr>
+            <a:picLocks noChangeAspect="1"/>
+          </p:cNvPicPr>
+          <p:nvPr/>
+        </p:nvPicPr>
+        <p:blipFill>
+          <a:blip r:embed="rId4"/>
+          <a:stretch>
+            <a:fillRect/>
+          </a:stretch>
+        </p:blipFill>
+        <p:spPr>
+          <a:xfrm>
+            <a:off x="3701530" y="4504899"/>
+            <a:ext cx="1657350" cy="333375"/>
+          </a:xfrm>
+          <a:prstGeom prst="rect">
+            <a:avLst/>
+          </a:prstGeom>
+        </p:spPr>
+      </p:pic>
+    </p:spTree>
+    <p:extLst>
+      <p:ext uri="{BB962C8B-B14F-4D97-AF65-F5344CB8AC3E}">
+        <p14:creationId xmlns:p14="http://schemas.microsoft.com/office/powerpoint/2010/main" val="2642836578"/>
+      </p:ext>
+    </p:extLst>
+  </p:cSld>
+  <p:clrMapOvr>
+    <a:masterClrMapping/>
+  </p:clrMapOvr>
+</p:sld>
+</file>
+
+<file path=ppt/slides/slide5.xml><?xml version="1.0" encoding="utf-8"?>
+<p:sld xmlns:a="http://schemas.openxmlformats.org/drawingml/2006/main" xmlns:r="http://schemas.openxmlformats.org/officeDocument/2006/relationships" xmlns:p="http://schemas.openxmlformats.org/presentationml/2006/main">
+  <p:cSld>
+    <p:spTree>
+      <p:nvGrpSpPr>
+        <p:cNvPr id="1" name=""/>
+        <p:cNvGrpSpPr/>
+        <p:nvPr/>
+      </p:nvGrpSpPr>
+      <p:grpSpPr>
+        <a:xfrm>
+          <a:off x="0" y="0"/>
+          <a:ext cx="0" cy="0"/>
+          <a:chOff x="0" y="0"/>
+          <a:chExt cx="0" cy="0"/>
+        </a:xfrm>
+      </p:grpSpPr>
+      <p:sp>
+        <p:nvSpPr>
+          <p:cNvPr id="4" name="Nadpis 3">
+            <a:extLst>
+              <a:ext uri="{FF2B5EF4-FFF2-40B4-BE49-F238E27FC236}">
+                <a16:creationId xmlns:a16="http://schemas.microsoft.com/office/drawing/2014/main" id="{152FBC60-86C4-414D-9B77-01557E958A6B}"/>
+              </a:ext>
+            </a:extLst>
+          </p:cNvPr>
+          <p:cNvSpPr>
+            <a:spLocks noGrp="1"/>
+          </p:cNvSpPr>
+          <p:nvPr>
+            <p:ph type="title"/>
+          </p:nvPr>
+        </p:nvSpPr>
+        <p:spPr/>
+        <p:txBody>
+          <a:bodyPr/>
+          <a:lstStyle/>
+          <a:p>
+            <a:r>
+              <a:rPr lang="cs-CZ" dirty="0"/>
+              <a:t>Vytvoření testovacího klastru</a:t>
+            </a:r>
+          </a:p>
+        </p:txBody>
+      </p:sp>
+      <p:sp>
+        <p:nvSpPr>
+          <p:cNvPr id="5" name="Zástupný obsah 4">
+            <a:extLst>
+              <a:ext uri="{FF2B5EF4-FFF2-40B4-BE49-F238E27FC236}">
+                <a16:creationId xmlns:a16="http://schemas.microsoft.com/office/drawing/2014/main" id="{C78BD287-07B8-45D8-A39D-62A3BEDB8A0D}"/>
+              </a:ext>
+            </a:extLst>
+          </p:cNvPr>
+          <p:cNvSpPr>
+            <a:spLocks noGrp="1"/>
+          </p:cNvSpPr>
+          <p:nvPr>
+            <p:ph sz="half" idx="1"/>
+          </p:nvPr>
+        </p:nvSpPr>
+        <p:spPr/>
+        <p:txBody>
+          <a:bodyPr/>
+          <a:lstStyle/>
+          <a:p>
+            <a:r>
+              <a:rPr lang="cs-CZ" b="1" dirty="0" err="1"/>
+              <a:t>Apache</a:t>
+            </a:r>
+            <a:r>
+              <a:rPr lang="cs-CZ" b="1" dirty="0"/>
+              <a:t> </a:t>
+            </a:r>
+            <a:r>
+              <a:rPr lang="cs-CZ" b="1" dirty="0" err="1"/>
+              <a:t>Hadoop</a:t>
+            </a:r>
+            <a:endParaRPr lang="cs-CZ" b="1" dirty="0"/>
+          </a:p>
+          <a:p>
+            <a:pPr>
+              <a:buFont typeface="Wingdings" panose="05000000000000000000" pitchFamily="2" charset="2"/>
+              <a:buChar char="§"/>
+            </a:pPr>
+            <a:r>
+              <a:rPr lang="cs-CZ" dirty="0"/>
+              <a:t>Open Source platforma pro práci s velkými objemy dat</a:t>
+            </a:r>
+          </a:p>
+          <a:p>
+            <a:pPr>
+              <a:buFont typeface="Wingdings" panose="05000000000000000000" pitchFamily="2" charset="2"/>
+              <a:buChar char="§"/>
+            </a:pPr>
+            <a:r>
+              <a:rPr lang="cs-CZ" dirty="0"/>
+              <a:t>Určeno pro data centra</a:t>
+            </a:r>
+          </a:p>
+          <a:p>
+            <a:pPr>
+              <a:buFont typeface="Wingdings" panose="05000000000000000000" pitchFamily="2" charset="2"/>
+              <a:buChar char="§"/>
+            </a:pPr>
+            <a:r>
+              <a:rPr lang="cs-CZ" dirty="0"/>
+              <a:t>Implementováno v Javě</a:t>
+            </a:r>
+          </a:p>
+          <a:p>
+            <a:pPr>
+              <a:buFont typeface="Wingdings" panose="05000000000000000000" pitchFamily="2" charset="2"/>
+              <a:buChar char="§"/>
+            </a:pPr>
+            <a:r>
+              <a:rPr lang="cs-CZ" dirty="0"/>
+              <a:t>Určeno pro OS Linux a x86</a:t>
+            </a:r>
+          </a:p>
+          <a:p>
+            <a:pPr>
+              <a:buFont typeface="Wingdings" panose="05000000000000000000" pitchFamily="2" charset="2"/>
+              <a:buChar char="§"/>
+            </a:pPr>
+            <a:r>
+              <a:rPr lang="cs-CZ" dirty="0"/>
+              <a:t>HDFS, YARN, </a:t>
+            </a:r>
+            <a:r>
+              <a:rPr lang="cs-CZ" dirty="0" err="1"/>
+              <a:t>MapReduce</a:t>
+            </a:r>
+            <a:endParaRPr lang="cs-CZ" dirty="0"/>
+          </a:p>
+        </p:txBody>
+      </p:sp>
+      <p:sp>
+        <p:nvSpPr>
+          <p:cNvPr id="6" name="Zástupný obsah 5">
+            <a:extLst>
+              <a:ext uri="{FF2B5EF4-FFF2-40B4-BE49-F238E27FC236}">
+                <a16:creationId xmlns:a16="http://schemas.microsoft.com/office/drawing/2014/main" id="{E810C53A-B3D6-4907-A01A-514B2B88D843}"/>
+              </a:ext>
+            </a:extLst>
+          </p:cNvPr>
+          <p:cNvSpPr>
+            <a:spLocks noGrp="1"/>
+          </p:cNvSpPr>
+          <p:nvPr>
+            <p:ph sz="half" idx="2"/>
+          </p:nvPr>
+        </p:nvSpPr>
+        <p:spPr/>
+        <p:txBody>
+          <a:bodyPr/>
+          <a:lstStyle/>
+          <a:p>
+            <a:r>
+              <a:rPr lang="cs-CZ" b="1" dirty="0"/>
+              <a:t>Virtuální klastr</a:t>
+            </a:r>
+          </a:p>
+          <a:p>
+            <a:pPr>
+              <a:buFont typeface="Wingdings" panose="05000000000000000000" pitchFamily="2" charset="2"/>
+              <a:buChar char="§"/>
+            </a:pPr>
+            <a:r>
+              <a:rPr lang="cs-CZ" dirty="0"/>
+              <a:t>1 master, 3 </a:t>
+            </a:r>
+            <a:r>
+              <a:rPr lang="cs-CZ" dirty="0" err="1"/>
+              <a:t>workery</a:t>
+            </a:r>
+            <a:endParaRPr lang="cs-CZ" dirty="0"/>
+          </a:p>
+          <a:p>
+            <a:pPr>
+              <a:buFont typeface="Wingdings" panose="05000000000000000000" pitchFamily="2" charset="2"/>
+              <a:buChar char="§"/>
+            </a:pPr>
+            <a:r>
+              <a:rPr lang="cs-CZ" dirty="0" err="1"/>
+              <a:t>VirtualBOX</a:t>
+            </a:r>
+            <a:r>
+              <a:rPr lang="cs-CZ" dirty="0"/>
+              <a:t> hypervizor</a:t>
+            </a:r>
+          </a:p>
+          <a:p>
+            <a:pPr>
+              <a:buFont typeface="Wingdings" panose="05000000000000000000" pitchFamily="2" charset="2"/>
+              <a:buChar char="§"/>
+            </a:pPr>
+            <a:r>
+              <a:rPr lang="cs-CZ" dirty="0" err="1"/>
+              <a:t>Centos</a:t>
+            </a:r>
+            <a:r>
+              <a:rPr lang="cs-CZ" dirty="0"/>
+              <a:t> 7</a:t>
+            </a:r>
+          </a:p>
+          <a:p>
+            <a:pPr>
+              <a:buFont typeface="Wingdings" panose="05000000000000000000" pitchFamily="2" charset="2"/>
+              <a:buChar char="§"/>
+            </a:pPr>
+            <a:r>
+              <a:rPr lang="cs-CZ" dirty="0" err="1"/>
+              <a:t>HortonWorks</a:t>
+            </a:r>
+            <a:r>
+              <a:rPr lang="cs-CZ" dirty="0"/>
+              <a:t> HDP</a:t>
+            </a:r>
+          </a:p>
+          <a:p>
+            <a:pPr>
+              <a:buFont typeface="Wingdings" panose="05000000000000000000" pitchFamily="2" charset="2"/>
+              <a:buChar char="§"/>
+            </a:pPr>
+            <a:r>
+              <a:rPr lang="cs-CZ" dirty="0"/>
+              <a:t>Distribuované </a:t>
+            </a:r>
+            <a:r>
+              <a:rPr lang="cs-CZ" dirty="0" err="1"/>
+              <a:t>úložistě</a:t>
+            </a:r>
+            <a:endParaRPr lang="cs-CZ" dirty="0"/>
+          </a:p>
+          <a:p>
+            <a:pPr>
+              <a:buFont typeface="Wingdings" panose="05000000000000000000" pitchFamily="2" charset="2"/>
+              <a:buChar char="§"/>
+            </a:pPr>
+            <a:r>
+              <a:rPr lang="cs-CZ" dirty="0"/>
+              <a:t>Běhové prostředí pro </a:t>
+            </a:r>
+            <a:r>
+              <a:rPr lang="cs-CZ" dirty="0" err="1"/>
+              <a:t>Spark</a:t>
+            </a:r>
+            <a:endParaRPr lang="cs-CZ" dirty="0"/>
+          </a:p>
+        </p:txBody>
+      </p:sp>
+    </p:spTree>
+    <p:extLst>
+      <p:ext uri="{BB962C8B-B14F-4D97-AF65-F5344CB8AC3E}">
+        <p14:creationId xmlns:p14="http://schemas.microsoft.com/office/powerpoint/2010/main" val="382668416"/>
+      </p:ext>
+    </p:extLst>
+  </p:cSld>
+  <p:clrMapOvr>
+    <a:masterClrMapping/>
+  </p:clrMapOvr>
+</p:sld>
+</file>
+
+<file path=ppt/slides/slide6.xml><?xml version="1.0" encoding="utf-8"?>
+<p:sld xmlns:a="http://schemas.openxmlformats.org/drawingml/2006/main" xmlns:r="http://schemas.openxmlformats.org/officeDocument/2006/relationships" xmlns:p="http://schemas.openxmlformats.org/presentationml/2006/main">
+  <p:cSld>
+    <p:spTree>
+      <p:nvGrpSpPr>
+        <p:cNvPr id="1" name=""/>
+        <p:cNvGrpSpPr/>
+        <p:nvPr/>
+      </p:nvGrpSpPr>
+      <p:grpSpPr>
+        <a:xfrm>
+          <a:off x="0" y="0"/>
+          <a:ext cx="0" cy="0"/>
+          <a:chOff x="0" y="0"/>
+          <a:chExt cx="0" cy="0"/>
+        </a:xfrm>
+      </p:grpSpPr>
+      <p:sp>
+        <p:nvSpPr>
           <p:cNvPr id="6" name="Nadpis 5">
             <a:extLst>
               <a:ext uri="{FF2B5EF4-FFF2-40B4-BE49-F238E27FC236}">
@@ -3904,7 +5666,7 @@
 </p:sld>
 </file>
 
-<file path=ppt/slides/slide4.xml><?xml version="1.0" encoding="utf-8"?>
+<file path=ppt/slides/slide7.xml><?xml version="1.0" encoding="utf-8"?>
 <p:sld xmlns:a="http://schemas.openxmlformats.org/drawingml/2006/main" xmlns:r="http://schemas.openxmlformats.org/officeDocument/2006/relationships" xmlns:p="http://schemas.openxmlformats.org/presentationml/2006/main">
   <p:cSld>
     <p:spTree>
@@ -4168,7 +5930,7 @@
 </p:sld>
 </file>
 
-<file path=ppt/slides/slide5.xml><?xml version="1.0" encoding="utf-8"?>
+<file path=ppt/slides/slide8.xml><?xml version="1.0" encoding="utf-8"?>
 <p:sld xmlns:a="http://schemas.openxmlformats.org/drawingml/2006/main" xmlns:r="http://schemas.openxmlformats.org/officeDocument/2006/relationships" xmlns:p="http://schemas.openxmlformats.org/presentationml/2006/main">
   <p:cSld>
     <p:spTree>
@@ -4402,7 +6164,7 @@
 </p:sld>
 </file>
 
-<file path=ppt/slides/slide6.xml><?xml version="1.0" encoding="utf-8"?>
+<file path=ppt/slides/slide9.xml><?xml version="1.0" encoding="utf-8"?>
 <p:sld xmlns:a="http://schemas.openxmlformats.org/drawingml/2006/main" xmlns:r="http://schemas.openxmlformats.org/officeDocument/2006/relationships" xmlns:p="http://schemas.openxmlformats.org/presentationml/2006/main">
   <p:cSld>
     <p:spTree>

--- a/prezentace.pptx
+++ b/prezentace.pptx
@@ -15,15 +15,12 @@
     <p:sldId id="259" r:id="rId9"/>
     <p:sldId id="260" r:id="rId10"/>
     <p:sldId id="272" r:id="rId11"/>
-    <p:sldId id="269" r:id="rId12"/>
-    <p:sldId id="270" r:id="rId13"/>
-    <p:sldId id="265" r:id="rId14"/>
-    <p:sldId id="266" r:id="rId15"/>
-    <p:sldId id="267" r:id="rId16"/>
-    <p:sldId id="268" r:id="rId17"/>
+    <p:sldId id="267" r:id="rId12"/>
+    <p:sldId id="268" r:id="rId13"/>
+    <p:sldId id="273" r:id="rId14"/>
   </p:sldIdLst>
   <p:sldSz cx="12192000" cy="6858000"/>
-  <p:notesSz cx="6858000" cy="9144000"/>
+  <p:notesSz cx="6797675" cy="9926638"/>
   <p:defaultTextStyle>
     <a:defPPr>
       <a:defRPr lang="cs-CZ"/>
@@ -3430,8 +3427,8 @@
           </a:p>
           <a:p>
             <a:r>
-              <a:rPr lang="en-US" dirty="0" err="1"/>
-              <a:t>Obsah</a:t>
+              <a:rPr lang="cs-CZ" dirty="0"/>
+              <a:t>Projekt</a:t>
             </a:r>
             <a:r>
               <a:rPr lang="en-US" dirty="0"/>
@@ -3439,73 +3436,50 @@
             </a:r>
           </a:p>
           <a:p>
-            <a:pPr marL="0" indent="0">
-              <a:buNone/>
+            <a:pPr marL="514350" indent="-514350">
+              <a:buFont typeface="+mj-lt"/>
+              <a:buAutoNum type="arabicPeriod"/>
             </a:pPr>
             <a:r>
-              <a:rPr lang="en-US" dirty="0"/>
-              <a:t>1. </a:t>
-            </a:r>
-            <a:r>
-              <a:rPr lang="en-US" dirty="0" err="1"/>
-              <a:t>Implementace</a:t>
-            </a:r>
-            <a:r>
-              <a:rPr lang="en-US" dirty="0"/>
-              <a:t> </a:t>
-            </a:r>
-            <a:r>
-              <a:rPr lang="en-US" dirty="0" err="1"/>
-              <a:t>algoritmu</a:t>
-            </a:r>
-            <a:r>
-              <a:rPr lang="en-US" dirty="0"/>
-              <a:t> pro </a:t>
-            </a:r>
-            <a:r>
-              <a:rPr lang="en-US" dirty="0" err="1"/>
-              <a:t>doporu</a:t>
+              <a:rPr lang="cs-CZ" dirty="0"/>
+              <a:t>Implementace </a:t>
             </a:r>
             <a:r>
               <a:rPr lang="cs-CZ" dirty="0" err="1"/>
-              <a:t>čovací</a:t>
-            </a:r>
-            <a:r>
-              <a:rPr lang="cs-CZ" dirty="0"/>
-              <a:t> systém</a:t>
-            </a:r>
-            <a:endParaRPr lang="en-US" dirty="0"/>
-          </a:p>
-          <a:p>
-            <a:pPr marL="0" indent="0">
-              <a:buNone/>
+              <a:t>doporučovacího</a:t>
+            </a:r>
+            <a:r>
+              <a:rPr lang="cs-CZ" dirty="0"/>
+              <a:t> algoritmu</a:t>
+            </a:r>
+          </a:p>
+          <a:p>
+            <a:pPr marL="514350" indent="-514350">
+              <a:buFont typeface="+mj-lt"/>
+              <a:buAutoNum type="arabicPeriod"/>
             </a:pPr>
             <a:r>
-              <a:rPr lang="en-US" dirty="0"/>
-              <a:t>2. </a:t>
-            </a:r>
-            <a:r>
-              <a:rPr lang="en-US" dirty="0" err="1"/>
-              <a:t>BigData</a:t>
-            </a:r>
-            <a:r>
-              <a:rPr lang="en-US" dirty="0"/>
-              <a:t>: Hadoop, Spark</a:t>
-            </a:r>
-          </a:p>
-          <a:p>
-            <a:pPr marL="0" indent="0">
-              <a:buNone/>
+              <a:rPr lang="cs-CZ" dirty="0"/>
+              <a:t>Instalace klastru</a:t>
+            </a:r>
+          </a:p>
+          <a:p>
+            <a:pPr marL="514350" indent="-514350">
+              <a:buFont typeface="+mj-lt"/>
+              <a:buAutoNum type="arabicPeriod"/>
             </a:pPr>
             <a:r>
-              <a:rPr lang="en-US" dirty="0"/>
-              <a:t>3. </a:t>
-            </a:r>
-            <a:r>
-              <a:rPr lang="en-US" dirty="0" err="1"/>
-              <a:t>Projekt</a:t>
-            </a:r>
-            <a:endParaRPr lang="en-US" dirty="0"/>
+              <a:rPr lang="cs-CZ" dirty="0"/>
+              <a:t>Vytvoření </a:t>
+            </a:r>
+            <a:r>
+              <a:rPr lang="cs-CZ" dirty="0" err="1"/>
+              <a:t>doporučovacího</a:t>
+            </a:r>
+            <a:r>
+              <a:rPr lang="cs-CZ" dirty="0"/>
+              <a:t> modelu.</a:t>
+            </a:r>
           </a:p>
           <a:p>
             <a:pPr marL="0" indent="0">
@@ -3566,7 +3540,18 @@
           <a:bodyPr/>
           <a:lstStyle/>
           <a:p>
-            <a:endParaRPr lang="cs-CZ"/>
+            <a:r>
+              <a:rPr lang="cs-CZ" b="1" dirty="0"/>
+              <a:t>Vytvoření </a:t>
+            </a:r>
+            <a:r>
+              <a:rPr lang="cs-CZ" b="1" dirty="0" err="1"/>
+              <a:t>doporučovacího</a:t>
+            </a:r>
+            <a:r>
+              <a:rPr lang="cs-CZ" b="1" dirty="0"/>
+              <a:t> modelu</a:t>
+            </a:r>
           </a:p>
         </p:txBody>
       </p:sp>
@@ -3586,21 +3571,52 @@
             <p:ph sz="half" idx="1"/>
           </p:nvPr>
         </p:nvSpPr>
-        <p:spPr/>
-        <p:txBody>
-          <a:bodyPr/>
-          <a:lstStyle/>
-          <a:p>
-            <a:endParaRPr lang="cs-CZ"/>
-          </a:p>
-        </p:txBody>
-      </p:sp>
-      <p:sp>
-        <p:nvSpPr>
-          <p:cNvPr id="4" name="Zástupný obsah 3">
-            <a:extLst>
-              <a:ext uri="{FF2B5EF4-FFF2-40B4-BE49-F238E27FC236}">
-                <a16:creationId xmlns:a16="http://schemas.microsoft.com/office/drawing/2014/main" id="{4196DEDB-DC47-4ADB-86F9-3005582E3211}"/>
+        <p:spPr>
+          <a:xfrm>
+            <a:off x="838200" y="1782147"/>
+            <a:ext cx="4974771" cy="3194833"/>
+          </a:xfrm>
+        </p:spPr>
+        <p:txBody>
+          <a:bodyPr/>
+          <a:lstStyle/>
+          <a:p>
+            <a:r>
+              <a:rPr lang="cs-CZ" dirty="0"/>
+              <a:t>Last.fm </a:t>
+            </a:r>
+            <a:r>
+              <a:rPr lang="cs-CZ" dirty="0" err="1"/>
+              <a:t>dataset</a:t>
+            </a:r>
+            <a:endParaRPr lang="cs-CZ" dirty="0"/>
+          </a:p>
+          <a:p>
+            <a:r>
+              <a:rPr lang="cs-CZ" dirty="0"/>
+              <a:t>18M hodnocení </a:t>
+            </a:r>
+          </a:p>
+          <a:p>
+            <a:r>
+              <a:rPr lang="cs-CZ" dirty="0"/>
+              <a:t>360K uživatelů</a:t>
+            </a:r>
+          </a:p>
+          <a:p>
+            <a:r>
+              <a:rPr lang="cs-CZ" dirty="0"/>
+              <a:t>290K interpretů</a:t>
+            </a:r>
+          </a:p>
+        </p:txBody>
+      </p:sp>
+      <p:sp>
+        <p:nvSpPr>
+          <p:cNvPr id="7" name="Zástupný obsah 6">
+            <a:extLst>
+              <a:ext uri="{FF2B5EF4-FFF2-40B4-BE49-F238E27FC236}">
+                <a16:creationId xmlns:a16="http://schemas.microsoft.com/office/drawing/2014/main" id="{4542C87A-1273-4A79-A9A5-F2E665D64593}"/>
               </a:ext>
             </a:extLst>
           </p:cNvPr>
@@ -3611,15 +3627,94 @@
             <p:ph sz="half" idx="2"/>
           </p:nvPr>
         </p:nvSpPr>
-        <p:spPr/>
-        <p:txBody>
-          <a:bodyPr/>
-          <a:lstStyle/>
-          <a:p>
-            <a:endParaRPr lang="cs-CZ"/>
-          </a:p>
-        </p:txBody>
-      </p:sp>
+        <p:spPr>
+          <a:xfrm>
+            <a:off x="6172200" y="1825625"/>
+            <a:ext cx="5181600" cy="2951648"/>
+          </a:xfrm>
+        </p:spPr>
+        <p:txBody>
+          <a:bodyPr/>
+          <a:lstStyle/>
+          <a:p>
+            <a:r>
+              <a:rPr lang="en-US" dirty="0" err="1"/>
+              <a:t>Vyhodnocen</a:t>
+            </a:r>
+            <a:r>
+              <a:rPr lang="cs-CZ" dirty="0"/>
+              <a:t>í přesnosti</a:t>
+            </a:r>
+          </a:p>
+          <a:p>
+            <a:r>
+              <a:rPr lang="en-US" dirty="0" err="1"/>
+              <a:t>Testova</a:t>
+            </a:r>
+            <a:r>
+              <a:rPr lang="cs-CZ" dirty="0" err="1"/>
+              <a:t>cí</a:t>
+            </a:r>
+            <a:r>
+              <a:rPr lang="cs-CZ" dirty="0"/>
+              <a:t> sada</a:t>
+            </a:r>
+          </a:p>
+          <a:p>
+            <a:r>
+              <a:rPr lang="en-US" dirty="0" err="1"/>
+              <a:t>Hodnoty</a:t>
+            </a:r>
+            <a:r>
+              <a:rPr lang="en-US" dirty="0"/>
+              <a:t> </a:t>
+            </a:r>
+            <a:r>
+              <a:rPr lang="en-US" dirty="0" err="1"/>
+              <a:t>hyperparametr</a:t>
+            </a:r>
+            <a:r>
+              <a:rPr lang="cs-CZ" dirty="0"/>
+              <a:t>ů</a:t>
+            </a:r>
+            <a:r>
+              <a:rPr lang="en-US" dirty="0"/>
+              <a:t> </a:t>
+            </a:r>
+            <a:endParaRPr lang="cs-CZ" dirty="0"/>
+          </a:p>
+        </p:txBody>
+      </p:sp>
+      <p:pic>
+        <p:nvPicPr>
+          <p:cNvPr id="8" name="Obrázek 7">
+            <a:extLst>
+              <a:ext uri="{FF2B5EF4-FFF2-40B4-BE49-F238E27FC236}">
+                <a16:creationId xmlns:a16="http://schemas.microsoft.com/office/drawing/2014/main" id="{ACAA9D90-564B-46C3-9532-81DEBB3B0382}"/>
+              </a:ext>
+            </a:extLst>
+          </p:cNvPr>
+          <p:cNvPicPr>
+            <a:picLocks noChangeAspect="1"/>
+          </p:cNvPicPr>
+          <p:nvPr/>
+        </p:nvPicPr>
+        <p:blipFill>
+          <a:blip r:embed="rId2"/>
+          <a:stretch>
+            <a:fillRect/>
+          </a:stretch>
+        </p:blipFill>
+        <p:spPr>
+          <a:xfrm>
+            <a:off x="772692" y="4777273"/>
+            <a:ext cx="8705850" cy="1514475"/>
+          </a:xfrm>
+          <a:prstGeom prst="rect">
+            <a:avLst/>
+          </a:prstGeom>
+        </p:spPr>
+      </p:pic>
     </p:spTree>
     <p:extLst>
       <p:ext uri="{BB962C8B-B14F-4D97-AF65-F5344CB8AC3E}">
@@ -3652,10 +3747,10 @@
       </p:grpSpPr>
       <p:sp>
         <p:nvSpPr>
-          <p:cNvPr id="5" name="Nadpis 4">
-            <a:extLst>
-              <a:ext uri="{FF2B5EF4-FFF2-40B4-BE49-F238E27FC236}">
-                <a16:creationId xmlns:a16="http://schemas.microsoft.com/office/drawing/2014/main" id="{D0F502D7-E095-425E-AEB9-3A60D49CC869}"/>
+          <p:cNvPr id="2" name="Nadpis 1">
+            <a:extLst>
+              <a:ext uri="{FF2B5EF4-FFF2-40B4-BE49-F238E27FC236}">
+                <a16:creationId xmlns:a16="http://schemas.microsoft.com/office/drawing/2014/main" id="{BCEA8D14-9B9F-4DEE-A353-45B37606CC33}"/>
               </a:ext>
             </a:extLst>
           </p:cNvPr>
@@ -3672,581 +3767,7 @@
           <a:lstStyle/>
           <a:p>
             <a:r>
-              <a:rPr lang="en-US" dirty="0" err="1"/>
-              <a:t>Projekt</a:t>
-            </a:r>
-            <a:endParaRPr lang="cs-CZ" dirty="0"/>
-          </a:p>
-        </p:txBody>
-      </p:sp>
-      <p:sp>
-        <p:nvSpPr>
-          <p:cNvPr id="6" name="Zástupný obsah 5">
-            <a:extLst>
-              <a:ext uri="{FF2B5EF4-FFF2-40B4-BE49-F238E27FC236}">
-                <a16:creationId xmlns:a16="http://schemas.microsoft.com/office/drawing/2014/main" id="{C6170DD3-EB1E-4E7E-9BA4-9C6036E9CA9C}"/>
-              </a:ext>
-            </a:extLst>
-          </p:cNvPr>
-          <p:cNvSpPr>
-            <a:spLocks noGrp="1"/>
-          </p:cNvSpPr>
-          <p:nvPr>
-            <p:ph idx="1"/>
-          </p:nvPr>
-        </p:nvSpPr>
-        <p:spPr/>
-        <p:txBody>
-          <a:bodyPr/>
-          <a:lstStyle/>
-          <a:p>
-            <a:pPr marL="514350" indent="-514350">
-              <a:buFont typeface="+mj-lt"/>
-              <a:buAutoNum type="arabicPeriod"/>
-            </a:pPr>
-            <a:r>
-              <a:rPr lang="cs-CZ" dirty="0"/>
-              <a:t>Vytvoření testovacího klastru</a:t>
-            </a:r>
-          </a:p>
-          <a:p>
-            <a:pPr marL="514350" indent="-514350">
-              <a:buFont typeface="+mj-lt"/>
-              <a:buAutoNum type="arabicPeriod"/>
-            </a:pPr>
-            <a:r>
-              <a:rPr lang="cs-CZ" dirty="0"/>
-              <a:t>Implementace algoritmu pro faktorizaci matic</a:t>
-            </a:r>
-          </a:p>
-          <a:p>
-            <a:pPr marL="514350" indent="-514350">
-              <a:buFont typeface="+mj-lt"/>
-              <a:buAutoNum type="arabicPeriod"/>
-            </a:pPr>
-            <a:r>
-              <a:rPr lang="cs-CZ" dirty="0"/>
-              <a:t>Vytvoření a vyhodnocení cílového modelu.</a:t>
-            </a:r>
-          </a:p>
-        </p:txBody>
-      </p:sp>
-    </p:spTree>
-    <p:extLst>
-      <p:ext uri="{BB962C8B-B14F-4D97-AF65-F5344CB8AC3E}">
-        <p14:creationId xmlns:p14="http://schemas.microsoft.com/office/powerpoint/2010/main" val="4053646708"/>
-      </p:ext>
-    </p:extLst>
-  </p:cSld>
-  <p:clrMapOvr>
-    <a:masterClrMapping/>
-  </p:clrMapOvr>
-</p:sld>
-</file>
-
-<file path=ppt/slides/slide12.xml><?xml version="1.0" encoding="utf-8"?>
-<p:sld xmlns:a="http://schemas.openxmlformats.org/drawingml/2006/main" xmlns:r="http://schemas.openxmlformats.org/officeDocument/2006/relationships" xmlns:p="http://schemas.openxmlformats.org/presentationml/2006/main">
-  <p:cSld>
-    <p:spTree>
-      <p:nvGrpSpPr>
-        <p:cNvPr id="1" name=""/>
-        <p:cNvGrpSpPr/>
-        <p:nvPr/>
-      </p:nvGrpSpPr>
-      <p:grpSpPr>
-        <a:xfrm>
-          <a:off x="0" y="0"/>
-          <a:ext cx="0" cy="0"/>
-          <a:chOff x="0" y="0"/>
-          <a:chExt cx="0" cy="0"/>
-        </a:xfrm>
-      </p:grpSpPr>
-      <p:sp>
-        <p:nvSpPr>
-          <p:cNvPr id="2" name="Nadpis 1">
-            <a:extLst>
-              <a:ext uri="{FF2B5EF4-FFF2-40B4-BE49-F238E27FC236}">
-                <a16:creationId xmlns:a16="http://schemas.microsoft.com/office/drawing/2014/main" id="{873505D8-D759-4167-AF16-8F603F94932A}"/>
-              </a:ext>
-            </a:extLst>
-          </p:cNvPr>
-          <p:cNvSpPr>
-            <a:spLocks noGrp="1"/>
-          </p:cNvSpPr>
-          <p:nvPr>
-            <p:ph type="title"/>
-          </p:nvPr>
-        </p:nvSpPr>
-        <p:spPr/>
-        <p:txBody>
-          <a:bodyPr/>
-          <a:lstStyle/>
-          <a:p>
-            <a:r>
-              <a:rPr lang="cs-CZ" dirty="0"/>
-              <a:t>Vytvoření testovacího klastru</a:t>
-            </a:r>
-          </a:p>
-        </p:txBody>
-      </p:sp>
-      <p:sp>
-        <p:nvSpPr>
-          <p:cNvPr id="4" name="Zástupný obsah 3">
-            <a:extLst>
-              <a:ext uri="{FF2B5EF4-FFF2-40B4-BE49-F238E27FC236}">
-                <a16:creationId xmlns:a16="http://schemas.microsoft.com/office/drawing/2014/main" id="{4C87F417-10ED-4E25-AF1C-6BB56476EB58}"/>
-              </a:ext>
-            </a:extLst>
-          </p:cNvPr>
-          <p:cNvSpPr>
-            <a:spLocks noGrp="1"/>
-          </p:cNvSpPr>
-          <p:nvPr>
-            <p:ph sz="half" idx="1"/>
-          </p:nvPr>
-        </p:nvSpPr>
-        <p:spPr>
-          <a:xfrm>
-            <a:off x="838199" y="1825625"/>
-            <a:ext cx="5450633" cy="4351338"/>
-          </a:xfrm>
-        </p:spPr>
-        <p:txBody>
-          <a:bodyPr/>
-          <a:lstStyle/>
-          <a:p>
-            <a:r>
-              <a:rPr lang="cs-CZ" dirty="0" err="1"/>
-              <a:t>Vitruální</a:t>
-            </a:r>
-            <a:r>
-              <a:rPr lang="cs-CZ" dirty="0"/>
-              <a:t> klastr</a:t>
-            </a:r>
-          </a:p>
-          <a:p>
-            <a:r>
-              <a:rPr lang="cs-CZ" dirty="0" err="1"/>
-              <a:t>VitrualBOX</a:t>
-            </a:r>
-            <a:r>
-              <a:rPr lang="cs-CZ" dirty="0"/>
-              <a:t> hypervisor</a:t>
-            </a:r>
-          </a:p>
-          <a:p>
-            <a:r>
-              <a:rPr lang="cs-CZ" dirty="0" err="1"/>
-              <a:t>Centos</a:t>
-            </a:r>
-            <a:r>
-              <a:rPr lang="cs-CZ" dirty="0"/>
-              <a:t> 7</a:t>
-            </a:r>
-          </a:p>
-          <a:p>
-            <a:r>
-              <a:rPr lang="cs-CZ" dirty="0" err="1"/>
-              <a:t>Horton</a:t>
-            </a:r>
-            <a:r>
-              <a:rPr lang="cs-CZ" dirty="0"/>
-              <a:t> Works </a:t>
-            </a:r>
-            <a:r>
-              <a:rPr lang="cs-CZ" dirty="0" err="1"/>
-              <a:t>Hadoop</a:t>
-            </a:r>
-            <a:r>
-              <a:rPr lang="cs-CZ" dirty="0"/>
-              <a:t> </a:t>
-            </a:r>
-            <a:r>
-              <a:rPr lang="cs-CZ" dirty="0" err="1"/>
-              <a:t>Distribution</a:t>
-            </a:r>
-            <a:endParaRPr lang="cs-CZ" dirty="0"/>
-          </a:p>
-          <a:p>
-            <a:pPr marL="0" indent="0">
-              <a:buNone/>
-            </a:pPr>
-            <a:endParaRPr lang="cs-CZ" dirty="0"/>
-          </a:p>
-          <a:p>
-            <a:endParaRPr lang="cs-CZ" dirty="0"/>
-          </a:p>
-        </p:txBody>
-      </p:sp>
-      <p:pic>
-        <p:nvPicPr>
-          <p:cNvPr id="6" name="Zástupný obsah 5">
-            <a:extLst>
-              <a:ext uri="{FF2B5EF4-FFF2-40B4-BE49-F238E27FC236}">
-                <a16:creationId xmlns:a16="http://schemas.microsoft.com/office/drawing/2014/main" id="{0FF1EF4F-DD92-40C1-8BAD-85985D9CE18D}"/>
-              </a:ext>
-            </a:extLst>
-          </p:cNvPr>
-          <p:cNvPicPr>
-            <a:picLocks noGrp="1" noChangeAspect="1"/>
-          </p:cNvPicPr>
-          <p:nvPr>
-            <p:ph sz="half" idx="2"/>
-          </p:nvPr>
-        </p:nvPicPr>
-        <p:blipFill>
-          <a:blip r:embed="rId2"/>
-          <a:stretch>
-            <a:fillRect/>
-          </a:stretch>
-        </p:blipFill>
-        <p:spPr>
-          <a:xfrm>
-            <a:off x="6419461" y="1558521"/>
-            <a:ext cx="5181600" cy="2442773"/>
-          </a:xfrm>
-          <a:prstGeom prst="rect">
-            <a:avLst/>
-          </a:prstGeom>
-        </p:spPr>
-      </p:pic>
-    </p:spTree>
-    <p:extLst>
-      <p:ext uri="{BB962C8B-B14F-4D97-AF65-F5344CB8AC3E}">
-        <p14:creationId xmlns:p14="http://schemas.microsoft.com/office/powerpoint/2010/main" val="3965263423"/>
-      </p:ext>
-    </p:extLst>
-  </p:cSld>
-  <p:clrMapOvr>
-    <a:masterClrMapping/>
-  </p:clrMapOvr>
-</p:sld>
-</file>
-
-<file path=ppt/slides/slide13.xml><?xml version="1.0" encoding="utf-8"?>
-<p:sld xmlns:a="http://schemas.openxmlformats.org/drawingml/2006/main" xmlns:r="http://schemas.openxmlformats.org/officeDocument/2006/relationships" xmlns:p="http://schemas.openxmlformats.org/presentationml/2006/main">
-  <p:cSld>
-    <p:spTree>
-      <p:nvGrpSpPr>
-        <p:cNvPr id="1" name=""/>
-        <p:cNvGrpSpPr/>
-        <p:nvPr/>
-      </p:nvGrpSpPr>
-      <p:grpSpPr>
-        <a:xfrm>
-          <a:off x="0" y="0"/>
-          <a:ext cx="0" cy="0"/>
-          <a:chOff x="0" y="0"/>
-          <a:chExt cx="0" cy="0"/>
-        </a:xfrm>
-      </p:grpSpPr>
-      <p:sp>
-        <p:nvSpPr>
-          <p:cNvPr id="2" name="Nadpis 1">
-            <a:extLst>
-              <a:ext uri="{FF2B5EF4-FFF2-40B4-BE49-F238E27FC236}">
-                <a16:creationId xmlns:a16="http://schemas.microsoft.com/office/drawing/2014/main" id="{F36A899C-C82E-405E-ADAE-819F3CE28BDB}"/>
-              </a:ext>
-            </a:extLst>
-          </p:cNvPr>
-          <p:cNvSpPr>
-            <a:spLocks noGrp="1"/>
-          </p:cNvSpPr>
-          <p:nvPr>
-            <p:ph type="title"/>
-          </p:nvPr>
-        </p:nvSpPr>
-        <p:spPr/>
-        <p:txBody>
-          <a:bodyPr/>
-          <a:lstStyle/>
-          <a:p>
-            <a:r>
-              <a:rPr lang="cs-CZ" dirty="0"/>
-              <a:t>Zdrojová data</a:t>
-            </a:r>
-          </a:p>
-        </p:txBody>
-      </p:sp>
-      <p:sp>
-        <p:nvSpPr>
-          <p:cNvPr id="5" name="Zástupný obsah 4">
-            <a:extLst>
-              <a:ext uri="{FF2B5EF4-FFF2-40B4-BE49-F238E27FC236}">
-                <a16:creationId xmlns:a16="http://schemas.microsoft.com/office/drawing/2014/main" id="{C35E5E9A-EC42-4B25-B148-D7520130BF94}"/>
-              </a:ext>
-            </a:extLst>
-          </p:cNvPr>
-          <p:cNvSpPr>
-            <a:spLocks noGrp="1"/>
-          </p:cNvSpPr>
-          <p:nvPr>
-            <p:ph idx="1"/>
-          </p:nvPr>
-        </p:nvSpPr>
-        <p:spPr/>
-        <p:txBody>
-          <a:bodyPr/>
-          <a:lstStyle/>
-          <a:p>
-            <a:r>
-              <a:rPr lang="cs-CZ" dirty="0"/>
-              <a:t>Volně dostupný implicitní </a:t>
-            </a:r>
-            <a:r>
-              <a:rPr lang="cs-CZ" dirty="0" err="1"/>
-              <a:t>dataset</a:t>
-            </a:r>
-            <a:r>
-              <a:rPr lang="cs-CZ" dirty="0"/>
-              <a:t> z Last.fm</a:t>
-            </a:r>
-          </a:p>
-          <a:p>
-            <a:r>
-              <a:rPr lang="cs-CZ" dirty="0"/>
-              <a:t>18 milionů hodnocení</a:t>
-            </a:r>
-          </a:p>
-          <a:p>
-            <a:r>
-              <a:rPr lang="cs-CZ" dirty="0"/>
-              <a:t>360 tisíc uživatelů</a:t>
-            </a:r>
-          </a:p>
-          <a:p>
-            <a:r>
-              <a:rPr lang="cs-CZ" dirty="0"/>
-              <a:t>290 tisíc interpretů</a:t>
-            </a:r>
-          </a:p>
-          <a:p>
-            <a:endParaRPr lang="cs-CZ" dirty="0"/>
-          </a:p>
-        </p:txBody>
-      </p:sp>
-      <p:pic>
-        <p:nvPicPr>
-          <p:cNvPr id="6" name="Obrázek 5">
-            <a:extLst>
-              <a:ext uri="{FF2B5EF4-FFF2-40B4-BE49-F238E27FC236}">
-                <a16:creationId xmlns:a16="http://schemas.microsoft.com/office/drawing/2014/main" id="{D90F29D8-162A-411A-92CE-C53941313C9B}"/>
-              </a:ext>
-            </a:extLst>
-          </p:cNvPr>
-          <p:cNvPicPr>
-            <a:picLocks noChangeAspect="1"/>
-          </p:cNvPicPr>
-          <p:nvPr/>
-        </p:nvPicPr>
-        <p:blipFill>
-          <a:blip r:embed="rId2"/>
-          <a:stretch>
-            <a:fillRect/>
-          </a:stretch>
-        </p:blipFill>
-        <p:spPr>
-          <a:xfrm>
-            <a:off x="976021" y="4105955"/>
-            <a:ext cx="8896350" cy="1781175"/>
-          </a:xfrm>
-          <a:prstGeom prst="rect">
-            <a:avLst/>
-          </a:prstGeom>
-        </p:spPr>
-      </p:pic>
-    </p:spTree>
-    <p:extLst>
-      <p:ext uri="{BB962C8B-B14F-4D97-AF65-F5344CB8AC3E}">
-        <p14:creationId xmlns:p14="http://schemas.microsoft.com/office/powerpoint/2010/main" val="1182090305"/>
-      </p:ext>
-    </p:extLst>
-  </p:cSld>
-  <p:clrMapOvr>
-    <a:masterClrMapping/>
-  </p:clrMapOvr>
-</p:sld>
-</file>
-
-<file path=ppt/slides/slide14.xml><?xml version="1.0" encoding="utf-8"?>
-<p:sld xmlns:a="http://schemas.openxmlformats.org/drawingml/2006/main" xmlns:r="http://schemas.openxmlformats.org/officeDocument/2006/relationships" xmlns:p="http://schemas.openxmlformats.org/presentationml/2006/main">
-  <p:cSld>
-    <p:spTree>
-      <p:nvGrpSpPr>
-        <p:cNvPr id="1" name=""/>
-        <p:cNvGrpSpPr/>
-        <p:nvPr/>
-      </p:nvGrpSpPr>
-      <p:grpSpPr>
-        <a:xfrm>
-          <a:off x="0" y="0"/>
-          <a:ext cx="0" cy="0"/>
-          <a:chOff x="0" y="0"/>
-          <a:chExt cx="0" cy="0"/>
-        </a:xfrm>
-      </p:grpSpPr>
-      <p:sp>
-        <p:nvSpPr>
-          <p:cNvPr id="2" name="Nadpis 1">
-            <a:extLst>
-              <a:ext uri="{FF2B5EF4-FFF2-40B4-BE49-F238E27FC236}">
-                <a16:creationId xmlns:a16="http://schemas.microsoft.com/office/drawing/2014/main" id="{68FACC11-AB79-465E-AC1B-4D852701E478}"/>
-              </a:ext>
-            </a:extLst>
-          </p:cNvPr>
-          <p:cNvSpPr>
-            <a:spLocks noGrp="1"/>
-          </p:cNvSpPr>
-          <p:nvPr>
-            <p:ph type="title"/>
-          </p:nvPr>
-        </p:nvSpPr>
-        <p:spPr/>
-        <p:txBody>
-          <a:bodyPr/>
-          <a:lstStyle/>
-          <a:p>
-            <a:r>
-              <a:rPr lang="cs-CZ" dirty="0"/>
-              <a:t>Příprava dat</a:t>
-            </a:r>
-          </a:p>
-        </p:txBody>
-      </p:sp>
-      <p:sp>
-        <p:nvSpPr>
-          <p:cNvPr id="9" name="Zástupný obsah 8">
-            <a:extLst>
-              <a:ext uri="{FF2B5EF4-FFF2-40B4-BE49-F238E27FC236}">
-                <a16:creationId xmlns:a16="http://schemas.microsoft.com/office/drawing/2014/main" id="{D7A43555-5721-42CC-A522-8378E50F8806}"/>
-              </a:ext>
-            </a:extLst>
-          </p:cNvPr>
-          <p:cNvSpPr>
-            <a:spLocks noGrp="1"/>
-          </p:cNvSpPr>
-          <p:nvPr>
-            <p:ph sz="half" idx="1"/>
-          </p:nvPr>
-        </p:nvSpPr>
-        <p:spPr>
-          <a:xfrm>
-            <a:off x="838200" y="1825625"/>
-            <a:ext cx="4657531" cy="4351338"/>
-          </a:xfrm>
-        </p:spPr>
-        <p:txBody>
-          <a:bodyPr/>
-          <a:lstStyle/>
-          <a:p>
-            <a:r>
-              <a:rPr lang="cs-CZ" dirty="0" err="1"/>
-              <a:t>Zparsování</a:t>
-            </a:r>
-            <a:r>
-              <a:rPr lang="cs-CZ" dirty="0"/>
-              <a:t> řádků</a:t>
-            </a:r>
-          </a:p>
-          <a:p>
-            <a:r>
-              <a:rPr lang="cs-CZ" dirty="0"/>
-              <a:t>Převod identifikátorů na celá čísla</a:t>
-            </a:r>
-          </a:p>
-          <a:p>
-            <a:r>
-              <a:rPr lang="cs-CZ" dirty="0"/>
-              <a:t>Rozdělení na tréninková a testovací data</a:t>
-            </a:r>
-          </a:p>
-        </p:txBody>
-      </p:sp>
-      <p:pic>
-        <p:nvPicPr>
-          <p:cNvPr id="13" name="Zástupný obsah 12">
-            <a:extLst>
-              <a:ext uri="{FF2B5EF4-FFF2-40B4-BE49-F238E27FC236}">
-                <a16:creationId xmlns:a16="http://schemas.microsoft.com/office/drawing/2014/main" id="{F60F7B12-5077-4C2F-AD05-57D93F0550C6}"/>
-              </a:ext>
-            </a:extLst>
-          </p:cNvPr>
-          <p:cNvPicPr>
-            <a:picLocks noGrp="1" noChangeAspect="1"/>
-          </p:cNvPicPr>
-          <p:nvPr>
-            <p:ph sz="half" idx="2"/>
-          </p:nvPr>
-        </p:nvPicPr>
-        <p:blipFill>
-          <a:blip r:embed="rId2"/>
-          <a:stretch>
-            <a:fillRect/>
-          </a:stretch>
-        </p:blipFill>
-        <p:spPr>
-          <a:xfrm>
-            <a:off x="5705669" y="1825625"/>
-            <a:ext cx="5491066" cy="3100938"/>
-          </a:xfrm>
-          <a:prstGeom prst="rect">
-            <a:avLst/>
-          </a:prstGeom>
-        </p:spPr>
-      </p:pic>
-    </p:spTree>
-    <p:extLst>
-      <p:ext uri="{BB962C8B-B14F-4D97-AF65-F5344CB8AC3E}">
-        <p14:creationId xmlns:p14="http://schemas.microsoft.com/office/powerpoint/2010/main" val="3410626204"/>
-      </p:ext>
-    </p:extLst>
-  </p:cSld>
-  <p:clrMapOvr>
-    <a:masterClrMapping/>
-  </p:clrMapOvr>
-</p:sld>
-</file>
-
-<file path=ppt/slides/slide15.xml><?xml version="1.0" encoding="utf-8"?>
-<p:sld xmlns:a="http://schemas.openxmlformats.org/drawingml/2006/main" xmlns:r="http://schemas.openxmlformats.org/officeDocument/2006/relationships" xmlns:p="http://schemas.openxmlformats.org/presentationml/2006/main">
-  <p:cSld>
-    <p:spTree>
-      <p:nvGrpSpPr>
-        <p:cNvPr id="1" name=""/>
-        <p:cNvGrpSpPr/>
-        <p:nvPr/>
-      </p:nvGrpSpPr>
-      <p:grpSpPr>
-        <a:xfrm>
-          <a:off x="0" y="0"/>
-          <a:ext cx="0" cy="0"/>
-          <a:chOff x="0" y="0"/>
-          <a:chExt cx="0" cy="0"/>
-        </a:xfrm>
-      </p:grpSpPr>
-      <p:sp>
-        <p:nvSpPr>
-          <p:cNvPr id="2" name="Nadpis 1">
-            <a:extLst>
-              <a:ext uri="{FF2B5EF4-FFF2-40B4-BE49-F238E27FC236}">
-                <a16:creationId xmlns:a16="http://schemas.microsoft.com/office/drawing/2014/main" id="{BCEA8D14-9B9F-4DEE-A353-45B37606CC33}"/>
-              </a:ext>
-            </a:extLst>
-          </p:cNvPr>
-          <p:cNvSpPr>
-            <a:spLocks noGrp="1"/>
-          </p:cNvSpPr>
-          <p:nvPr>
-            <p:ph type="title"/>
-          </p:nvPr>
-        </p:nvSpPr>
-        <p:spPr/>
-        <p:txBody>
-          <a:bodyPr/>
-          <a:lstStyle/>
-          <a:p>
-            <a:r>
-              <a:rPr lang="cs-CZ" dirty="0"/>
+              <a:rPr lang="cs-CZ" b="1" dirty="0"/>
               <a:t>Průzkum dat I.</a:t>
             </a:r>
           </a:p>
@@ -4327,7 +3848,7 @@
 </p:sld>
 </file>
 
-<file path=ppt/slides/slide16.xml><?xml version="1.0" encoding="utf-8"?>
+<file path=ppt/slides/slide12.xml><?xml version="1.0" encoding="utf-8"?>
 <p:sld xmlns:a="http://schemas.openxmlformats.org/drawingml/2006/main" xmlns:r="http://schemas.openxmlformats.org/officeDocument/2006/relationships" xmlns:p="http://schemas.openxmlformats.org/presentationml/2006/main">
   <p:cSld>
     <p:spTree>
@@ -4366,7 +3887,7 @@
           <a:lstStyle/>
           <a:p>
             <a:r>
-              <a:rPr lang="cs-CZ" dirty="0"/>
+              <a:rPr lang="cs-CZ" b="1" dirty="0"/>
               <a:t>Průzkum dat II.</a:t>
             </a:r>
           </a:p>
@@ -4447,6 +3968,388 @@
 </p:sld>
 </file>
 
+<file path=ppt/slides/slide13.xml><?xml version="1.0" encoding="utf-8"?>
+<p:sld xmlns:a="http://schemas.openxmlformats.org/drawingml/2006/main" xmlns:r="http://schemas.openxmlformats.org/officeDocument/2006/relationships" xmlns:p="http://schemas.openxmlformats.org/presentationml/2006/main">
+  <p:cSld>
+    <p:spTree>
+      <p:nvGrpSpPr>
+        <p:cNvPr id="1" name=""/>
+        <p:cNvGrpSpPr/>
+        <p:nvPr/>
+      </p:nvGrpSpPr>
+      <p:grpSpPr>
+        <a:xfrm>
+          <a:off x="0" y="0"/>
+          <a:ext cx="0" cy="0"/>
+          <a:chOff x="0" y="0"/>
+          <a:chExt cx="0" cy="0"/>
+        </a:xfrm>
+      </p:grpSpPr>
+      <p:sp>
+        <p:nvSpPr>
+          <p:cNvPr id="2" name="Nadpis 1">
+            <a:extLst>
+              <a:ext uri="{FF2B5EF4-FFF2-40B4-BE49-F238E27FC236}">
+                <a16:creationId xmlns:a16="http://schemas.microsoft.com/office/drawing/2014/main" id="{88AC9176-2D2F-4F4A-99D6-3854A1702CB0}"/>
+              </a:ext>
+            </a:extLst>
+          </p:cNvPr>
+          <p:cNvSpPr>
+            <a:spLocks noGrp="1"/>
+          </p:cNvSpPr>
+          <p:nvPr>
+            <p:ph type="title"/>
+          </p:nvPr>
+        </p:nvSpPr>
+        <p:spPr/>
+        <p:txBody>
+          <a:bodyPr/>
+          <a:lstStyle/>
+          <a:p>
+            <a:r>
+              <a:rPr lang="cs-CZ" b="1" dirty="0"/>
+              <a:t>Zhodnocení vytvořeného modelu</a:t>
+            </a:r>
+          </a:p>
+        </p:txBody>
+      </p:sp>
+      <p:pic>
+        <p:nvPicPr>
+          <p:cNvPr id="5" name="Zástupný obsah 4">
+            <a:extLst>
+              <a:ext uri="{FF2B5EF4-FFF2-40B4-BE49-F238E27FC236}">
+                <a16:creationId xmlns:a16="http://schemas.microsoft.com/office/drawing/2014/main" id="{FB1AE2CF-ECC3-4636-B0C4-AF1CB0D534AA}"/>
+              </a:ext>
+            </a:extLst>
+          </p:cNvPr>
+          <p:cNvPicPr>
+            <a:picLocks noGrp="1" noChangeAspect="1"/>
+          </p:cNvPicPr>
+          <p:nvPr>
+            <p:ph sz="half" idx="1"/>
+          </p:nvPr>
+        </p:nvPicPr>
+        <p:blipFill>
+          <a:blip r:embed="rId2"/>
+          <a:stretch>
+            <a:fillRect/>
+          </a:stretch>
+        </p:blipFill>
+        <p:spPr>
+          <a:xfrm>
+            <a:off x="1053919" y="1690688"/>
+            <a:ext cx="2892929" cy="4486275"/>
+          </a:xfrm>
+          <a:prstGeom prst="rect">
+            <a:avLst/>
+          </a:prstGeom>
+        </p:spPr>
+      </p:pic>
+      <p:sp>
+        <p:nvSpPr>
+          <p:cNvPr id="9" name="Zástupný obsah 8">
+            <a:extLst>
+              <a:ext uri="{FF2B5EF4-FFF2-40B4-BE49-F238E27FC236}">
+                <a16:creationId xmlns:a16="http://schemas.microsoft.com/office/drawing/2014/main" id="{18F8257F-9B2E-43EE-9712-6AB440320E19}"/>
+              </a:ext>
+            </a:extLst>
+          </p:cNvPr>
+          <p:cNvSpPr>
+            <a:spLocks noGrp="1"/>
+          </p:cNvSpPr>
+          <p:nvPr>
+            <p:ph sz="half" idx="2"/>
+          </p:nvPr>
+        </p:nvSpPr>
+        <p:spPr>
+          <a:xfrm>
+            <a:off x="8245154" y="1973652"/>
+            <a:ext cx="3186404" cy="4351338"/>
+          </a:xfrm>
+        </p:spPr>
+        <p:txBody>
+          <a:bodyPr/>
+          <a:lstStyle/>
+          <a:p>
+            <a:r>
+              <a:rPr lang="cs-CZ" dirty="0"/>
+              <a:t>Doporučení M2</a:t>
+            </a:r>
+          </a:p>
+        </p:txBody>
+      </p:sp>
+      <p:sp>
+        <p:nvSpPr>
+          <p:cNvPr id="10" name="Zástupný obsah 8">
+            <a:extLst>
+              <a:ext uri="{FF2B5EF4-FFF2-40B4-BE49-F238E27FC236}">
+                <a16:creationId xmlns:a16="http://schemas.microsoft.com/office/drawing/2014/main" id="{305DFA86-B45A-44A4-AE26-A2421565DDD0}"/>
+              </a:ext>
+            </a:extLst>
+          </p:cNvPr>
+          <p:cNvSpPr txBox="1">
+            <a:spLocks/>
+          </p:cNvSpPr>
+          <p:nvPr/>
+        </p:nvSpPr>
+        <p:spPr>
+          <a:xfrm>
+            <a:off x="4971661" y="1973652"/>
+            <a:ext cx="3186404" cy="4351338"/>
+          </a:xfrm>
+          <a:prstGeom prst="rect">
+            <a:avLst/>
+          </a:prstGeom>
+        </p:spPr>
+        <p:txBody>
+          <a:bodyPr vert="horz" lIns="91440" tIns="45720" rIns="91440" bIns="45720" rtlCol="0">
+            <a:normAutofit/>
+          </a:bodyPr>
+          <a:lstStyle>
+            <a:lvl1pPr marL="228600" indent="-228600" algn="l" defTabSz="914400" rtl="0" eaLnBrk="1" latinLnBrk="0" hangingPunct="1">
+              <a:lnSpc>
+                <a:spcPct val="90000"/>
+              </a:lnSpc>
+              <a:spcBef>
+                <a:spcPts val="1000"/>
+              </a:spcBef>
+              <a:buFont typeface="Arial" panose="020B0604020202020204" pitchFamily="34" charset="0"/>
+              <a:buChar char="•"/>
+              <a:defRPr sz="2800" kern="1200">
+                <a:solidFill>
+                  <a:schemeClr val="tx1"/>
+                </a:solidFill>
+                <a:latin typeface="+mn-lt"/>
+                <a:ea typeface="+mn-ea"/>
+                <a:cs typeface="+mn-cs"/>
+              </a:defRPr>
+            </a:lvl1pPr>
+            <a:lvl2pPr marL="685800" indent="-228600" algn="l" defTabSz="914400" rtl="0" eaLnBrk="1" latinLnBrk="0" hangingPunct="1">
+              <a:lnSpc>
+                <a:spcPct val="90000"/>
+              </a:lnSpc>
+              <a:spcBef>
+                <a:spcPts val="500"/>
+              </a:spcBef>
+              <a:buFont typeface="Arial" panose="020B0604020202020204" pitchFamily="34" charset="0"/>
+              <a:buChar char="•"/>
+              <a:defRPr sz="2400" kern="1200">
+                <a:solidFill>
+                  <a:schemeClr val="tx1"/>
+                </a:solidFill>
+                <a:latin typeface="+mn-lt"/>
+                <a:ea typeface="+mn-ea"/>
+                <a:cs typeface="+mn-cs"/>
+              </a:defRPr>
+            </a:lvl2pPr>
+            <a:lvl3pPr marL="1143000" indent="-228600" algn="l" defTabSz="914400" rtl="0" eaLnBrk="1" latinLnBrk="0" hangingPunct="1">
+              <a:lnSpc>
+                <a:spcPct val="90000"/>
+              </a:lnSpc>
+              <a:spcBef>
+                <a:spcPts val="500"/>
+              </a:spcBef>
+              <a:buFont typeface="Arial" panose="020B0604020202020204" pitchFamily="34" charset="0"/>
+              <a:buChar char="•"/>
+              <a:defRPr sz="2000" kern="1200">
+                <a:solidFill>
+                  <a:schemeClr val="tx1"/>
+                </a:solidFill>
+                <a:latin typeface="+mn-lt"/>
+                <a:ea typeface="+mn-ea"/>
+                <a:cs typeface="+mn-cs"/>
+              </a:defRPr>
+            </a:lvl3pPr>
+            <a:lvl4pPr marL="1600200" indent="-228600" algn="l" defTabSz="914400" rtl="0" eaLnBrk="1" latinLnBrk="0" hangingPunct="1">
+              <a:lnSpc>
+                <a:spcPct val="90000"/>
+              </a:lnSpc>
+              <a:spcBef>
+                <a:spcPts val="500"/>
+              </a:spcBef>
+              <a:buFont typeface="Arial" panose="020B0604020202020204" pitchFamily="34" charset="0"/>
+              <a:buChar char="•"/>
+              <a:defRPr sz="1800" kern="1200">
+                <a:solidFill>
+                  <a:schemeClr val="tx1"/>
+                </a:solidFill>
+                <a:latin typeface="+mn-lt"/>
+                <a:ea typeface="+mn-ea"/>
+                <a:cs typeface="+mn-cs"/>
+              </a:defRPr>
+            </a:lvl4pPr>
+            <a:lvl5pPr marL="2057400" indent="-228600" algn="l" defTabSz="914400" rtl="0" eaLnBrk="1" latinLnBrk="0" hangingPunct="1">
+              <a:lnSpc>
+                <a:spcPct val="90000"/>
+              </a:lnSpc>
+              <a:spcBef>
+                <a:spcPts val="500"/>
+              </a:spcBef>
+              <a:buFont typeface="Arial" panose="020B0604020202020204" pitchFamily="34" charset="0"/>
+              <a:buChar char="•"/>
+              <a:defRPr sz="1800" kern="1200">
+                <a:solidFill>
+                  <a:schemeClr val="tx1"/>
+                </a:solidFill>
+                <a:latin typeface="+mn-lt"/>
+                <a:ea typeface="+mn-ea"/>
+                <a:cs typeface="+mn-cs"/>
+              </a:defRPr>
+            </a:lvl5pPr>
+            <a:lvl6pPr marL="2514600" indent="-228600" algn="l" defTabSz="914400" rtl="0" eaLnBrk="1" latinLnBrk="0" hangingPunct="1">
+              <a:lnSpc>
+                <a:spcPct val="90000"/>
+              </a:lnSpc>
+              <a:spcBef>
+                <a:spcPts val="500"/>
+              </a:spcBef>
+              <a:buFont typeface="Arial" panose="020B0604020202020204" pitchFamily="34" charset="0"/>
+              <a:buChar char="•"/>
+              <a:defRPr sz="1800" kern="1200">
+                <a:solidFill>
+                  <a:schemeClr val="tx1"/>
+                </a:solidFill>
+                <a:latin typeface="+mn-lt"/>
+                <a:ea typeface="+mn-ea"/>
+                <a:cs typeface="+mn-cs"/>
+              </a:defRPr>
+            </a:lvl6pPr>
+            <a:lvl7pPr marL="2971800" indent="-228600" algn="l" defTabSz="914400" rtl="0" eaLnBrk="1" latinLnBrk="0" hangingPunct="1">
+              <a:lnSpc>
+                <a:spcPct val="90000"/>
+              </a:lnSpc>
+              <a:spcBef>
+                <a:spcPts val="500"/>
+              </a:spcBef>
+              <a:buFont typeface="Arial" panose="020B0604020202020204" pitchFamily="34" charset="0"/>
+              <a:buChar char="•"/>
+              <a:defRPr sz="1800" kern="1200">
+                <a:solidFill>
+                  <a:schemeClr val="tx1"/>
+                </a:solidFill>
+                <a:latin typeface="+mn-lt"/>
+                <a:ea typeface="+mn-ea"/>
+                <a:cs typeface="+mn-cs"/>
+              </a:defRPr>
+            </a:lvl7pPr>
+            <a:lvl8pPr marL="3429000" indent="-228600" algn="l" defTabSz="914400" rtl="0" eaLnBrk="1" latinLnBrk="0" hangingPunct="1">
+              <a:lnSpc>
+                <a:spcPct val="90000"/>
+              </a:lnSpc>
+              <a:spcBef>
+                <a:spcPts val="500"/>
+              </a:spcBef>
+              <a:buFont typeface="Arial" panose="020B0604020202020204" pitchFamily="34" charset="0"/>
+              <a:buChar char="•"/>
+              <a:defRPr sz="1800" kern="1200">
+                <a:solidFill>
+                  <a:schemeClr val="tx1"/>
+                </a:solidFill>
+                <a:latin typeface="+mn-lt"/>
+                <a:ea typeface="+mn-ea"/>
+                <a:cs typeface="+mn-cs"/>
+              </a:defRPr>
+            </a:lvl8pPr>
+            <a:lvl9pPr marL="3886200" indent="-228600" algn="l" defTabSz="914400" rtl="0" eaLnBrk="1" latinLnBrk="0" hangingPunct="1">
+              <a:lnSpc>
+                <a:spcPct val="90000"/>
+              </a:lnSpc>
+              <a:spcBef>
+                <a:spcPts val="500"/>
+              </a:spcBef>
+              <a:buFont typeface="Arial" panose="020B0604020202020204" pitchFamily="34" charset="0"/>
+              <a:buChar char="•"/>
+              <a:defRPr sz="1800" kern="1200">
+                <a:solidFill>
+                  <a:schemeClr val="tx1"/>
+                </a:solidFill>
+                <a:latin typeface="+mn-lt"/>
+                <a:ea typeface="+mn-ea"/>
+                <a:cs typeface="+mn-cs"/>
+              </a:defRPr>
+            </a:lvl9pPr>
+          </a:lstStyle>
+          <a:p>
+            <a:r>
+              <a:rPr lang="cs-CZ" dirty="0"/>
+              <a:t>Doporučení M1</a:t>
+            </a:r>
+          </a:p>
+        </p:txBody>
+      </p:sp>
+      <p:pic>
+        <p:nvPicPr>
+          <p:cNvPr id="11" name="Obrázek 10">
+            <a:extLst>
+              <a:ext uri="{FF2B5EF4-FFF2-40B4-BE49-F238E27FC236}">
+                <a16:creationId xmlns:a16="http://schemas.microsoft.com/office/drawing/2014/main" id="{CD9F6848-621C-4D00-97F1-8B3A9F7B074A}"/>
+              </a:ext>
+            </a:extLst>
+          </p:cNvPr>
+          <p:cNvPicPr>
+            <a:picLocks noChangeAspect="1"/>
+          </p:cNvPicPr>
+          <p:nvPr/>
+        </p:nvPicPr>
+        <p:blipFill>
+          <a:blip r:embed="rId3"/>
+          <a:stretch>
+            <a:fillRect/>
+          </a:stretch>
+        </p:blipFill>
+        <p:spPr>
+          <a:xfrm>
+            <a:off x="5081587" y="2377671"/>
+            <a:ext cx="2028825" cy="3543300"/>
+          </a:xfrm>
+          <a:prstGeom prst="rect">
+            <a:avLst/>
+          </a:prstGeom>
+        </p:spPr>
+      </p:pic>
+      <p:pic>
+        <p:nvPicPr>
+          <p:cNvPr id="12" name="Obrázek 11">
+            <a:extLst>
+              <a:ext uri="{FF2B5EF4-FFF2-40B4-BE49-F238E27FC236}">
+                <a16:creationId xmlns:a16="http://schemas.microsoft.com/office/drawing/2014/main" id="{BE520D57-9382-4B7D-905D-78766DE41DBD}"/>
+              </a:ext>
+            </a:extLst>
+          </p:cNvPr>
+          <p:cNvPicPr>
+            <a:picLocks noChangeAspect="1"/>
+          </p:cNvPicPr>
+          <p:nvPr/>
+        </p:nvPicPr>
+        <p:blipFill>
+          <a:blip r:embed="rId4"/>
+          <a:stretch>
+            <a:fillRect/>
+          </a:stretch>
+        </p:blipFill>
+        <p:spPr>
+          <a:xfrm>
+            <a:off x="8408243" y="2406246"/>
+            <a:ext cx="2000250" cy="3486150"/>
+          </a:xfrm>
+          <a:prstGeom prst="rect">
+            <a:avLst/>
+          </a:prstGeom>
+        </p:spPr>
+      </p:pic>
+    </p:spTree>
+    <p:extLst>
+      <p:ext uri="{BB962C8B-B14F-4D97-AF65-F5344CB8AC3E}">
+        <p14:creationId xmlns:p14="http://schemas.microsoft.com/office/powerpoint/2010/main" val="2396778854"/>
+      </p:ext>
+    </p:extLst>
+  </p:cSld>
+  <p:clrMapOvr>
+    <a:masterClrMapping/>
+  </p:clrMapOvr>
+</p:sld>
+</file>
+
 <file path=ppt/slides/slide2.xml><?xml version="1.0" encoding="utf-8"?>
 <p:sld xmlns:a="http://schemas.openxmlformats.org/drawingml/2006/main" xmlns:r="http://schemas.openxmlformats.org/officeDocument/2006/relationships" xmlns:p="http://schemas.openxmlformats.org/presentationml/2006/main">
   <p:cSld>
@@ -4486,15 +4389,15 @@
           <a:lstStyle/>
           <a:p>
             <a:r>
-              <a:rPr lang="cs-CZ" dirty="0"/>
+              <a:rPr lang="cs-CZ" b="1" dirty="0"/>
               <a:t>Implementace </a:t>
             </a:r>
             <a:r>
-              <a:rPr lang="cs-CZ" dirty="0" err="1"/>
+              <a:rPr lang="cs-CZ" b="1" dirty="0" err="1"/>
               <a:t>doporučovacího</a:t>
             </a:r>
             <a:r>
-              <a:rPr lang="cs-CZ" dirty="0"/>
+              <a:rPr lang="cs-CZ" b="1" dirty="0"/>
               <a:t> algoritmu</a:t>
             </a:r>
           </a:p>
@@ -4778,15 +4681,15 @@
           <a:lstStyle/>
           <a:p>
             <a:r>
-              <a:rPr lang="cs-CZ" dirty="0"/>
+              <a:rPr lang="cs-CZ" b="1" dirty="0"/>
               <a:t>Faktorizace matic </a:t>
             </a:r>
             <a:r>
-              <a:rPr lang="en-US" dirty="0"/>
+              <a:rPr lang="en-US" b="1" dirty="0"/>
               <a:t>- </a:t>
             </a:r>
             <a:r>
-              <a:rPr lang="cs-CZ" dirty="0"/>
+              <a:rPr lang="cs-CZ" b="1" dirty="0"/>
               <a:t>příklad</a:t>
             </a:r>
           </a:p>
@@ -4959,15 +4862,15 @@
           <a:lstStyle/>
           <a:p>
             <a:r>
-              <a:rPr lang="cs-CZ" dirty="0"/>
+              <a:rPr lang="cs-CZ" b="1" dirty="0"/>
               <a:t>Faktorizace matic </a:t>
             </a:r>
             <a:r>
-              <a:rPr lang="en-US" dirty="0"/>
+              <a:rPr lang="en-US" b="1" dirty="0"/>
               <a:t>- </a:t>
             </a:r>
             <a:r>
-              <a:rPr lang="cs-CZ" dirty="0"/>
+              <a:rPr lang="cs-CZ" b="1" dirty="0"/>
               <a:t>příklad</a:t>
             </a:r>
           </a:p>
@@ -5152,7 +5055,7 @@
           <a:lstStyle/>
           <a:p>
             <a:r>
-              <a:rPr lang="cs-CZ" dirty="0"/>
+              <a:rPr lang="cs-CZ" b="1" dirty="0"/>
               <a:t>Vytvoření testovacího klastru</a:t>
             </a:r>
           </a:p>
@@ -5287,7 +5190,15 @@
             </a:r>
             <a:r>
               <a:rPr lang="cs-CZ" dirty="0" err="1"/>
-              <a:t>workery</a:t>
+              <a:t>work</a:t>
+            </a:r>
+            <a:r>
+              <a:rPr lang="en-US" dirty="0"/>
+              <a:t>e</a:t>
+            </a:r>
+            <a:r>
+              <a:rPr lang="cs-CZ" dirty="0" err="1"/>
+              <a:t>ry</a:t>
             </a:r>
             <a:endParaRPr lang="cs-CZ" dirty="0"/>
           </a:p>
@@ -5417,18 +5328,18 @@
           <a:lstStyle/>
           <a:p>
             <a:r>
-              <a:rPr lang="cs-CZ" dirty="0" err="1"/>
+              <a:rPr lang="cs-CZ" b="1" dirty="0" err="1"/>
               <a:t>Hadoop</a:t>
             </a:r>
             <a:r>
-              <a:rPr lang="cs-CZ" dirty="0"/>
+              <a:rPr lang="cs-CZ" b="1" dirty="0"/>
               <a:t> </a:t>
             </a:r>
             <a:r>
-              <a:rPr lang="en-US" dirty="0" err="1"/>
+              <a:rPr lang="en-US" b="1" dirty="0" err="1"/>
               <a:t>Klastr</a:t>
             </a:r>
-            <a:endParaRPr lang="cs-CZ" dirty="0"/>
+            <a:endParaRPr lang="cs-CZ" b="1" dirty="0"/>
           </a:p>
         </p:txBody>
       </p:sp>
@@ -6203,10 +6114,10 @@
           <a:lstStyle/>
           <a:p>
             <a:r>
-              <a:rPr lang="en-US" dirty="0"/>
+              <a:rPr lang="en-US" b="1" dirty="0"/>
               <a:t>Apache Spark</a:t>
             </a:r>
-            <a:endParaRPr lang="cs-CZ" dirty="0"/>
+            <a:endParaRPr lang="cs-CZ" b="1" dirty="0"/>
           </a:p>
         </p:txBody>
       </p:sp>
